--- a/images/aicov.pptx
+++ b/images/aicov.pptx
@@ -9,6 +9,8 @@
     <p:sldId id="259" r:id="rId3"/>
     <p:sldId id="257" r:id="rId4"/>
     <p:sldId id="256" r:id="rId5"/>
+    <p:sldId id="260" r:id="rId6"/>
+    <p:sldId id="261" r:id="rId7"/>
   </p:sldIdLst>
   <p:sldSz cx="12192000" cy="6858000"/>
   <p:notesSz cx="6858000" cy="9144000"/>
@@ -262,7 +264,7 @@
           <a:p>
             <a:fld id="{5BE25D22-1CA8-5244-A658-7F95A5E66022}" type="datetimeFigureOut">
               <a:rPr lang="en-US" smtClean="0"/>
-              <a:t>6/14/20</a:t>
+              <a:t>1/11/21</a:t>
             </a:fld>
             <a:endParaRPr lang="en-US"/>
           </a:p>
@@ -460,7 +462,7 @@
           <a:p>
             <a:fld id="{5BE25D22-1CA8-5244-A658-7F95A5E66022}" type="datetimeFigureOut">
               <a:rPr lang="en-US" smtClean="0"/>
-              <a:t>6/14/20</a:t>
+              <a:t>1/11/21</a:t>
             </a:fld>
             <a:endParaRPr lang="en-US"/>
           </a:p>
@@ -668,7 +670,7 @@
           <a:p>
             <a:fld id="{5BE25D22-1CA8-5244-A658-7F95A5E66022}" type="datetimeFigureOut">
               <a:rPr lang="en-US" smtClean="0"/>
-              <a:t>6/14/20</a:t>
+              <a:t>1/11/21</a:t>
             </a:fld>
             <a:endParaRPr lang="en-US"/>
           </a:p>
@@ -866,7 +868,7 @@
           <a:p>
             <a:fld id="{5BE25D22-1CA8-5244-A658-7F95A5E66022}" type="datetimeFigureOut">
               <a:rPr lang="en-US" smtClean="0"/>
-              <a:t>6/14/20</a:t>
+              <a:t>1/11/21</a:t>
             </a:fld>
             <a:endParaRPr lang="en-US"/>
           </a:p>
@@ -1141,7 +1143,7 @@
           <a:p>
             <a:fld id="{5BE25D22-1CA8-5244-A658-7F95A5E66022}" type="datetimeFigureOut">
               <a:rPr lang="en-US" smtClean="0"/>
-              <a:t>6/14/20</a:t>
+              <a:t>1/11/21</a:t>
             </a:fld>
             <a:endParaRPr lang="en-US"/>
           </a:p>
@@ -1406,7 +1408,7 @@
           <a:p>
             <a:fld id="{5BE25D22-1CA8-5244-A658-7F95A5E66022}" type="datetimeFigureOut">
               <a:rPr lang="en-US" smtClean="0"/>
-              <a:t>6/14/20</a:t>
+              <a:t>1/11/21</a:t>
             </a:fld>
             <a:endParaRPr lang="en-US"/>
           </a:p>
@@ -1818,7 +1820,7 @@
           <a:p>
             <a:fld id="{5BE25D22-1CA8-5244-A658-7F95A5E66022}" type="datetimeFigureOut">
               <a:rPr lang="en-US" smtClean="0"/>
-              <a:t>6/14/20</a:t>
+              <a:t>1/11/21</a:t>
             </a:fld>
             <a:endParaRPr lang="en-US"/>
           </a:p>
@@ -1959,7 +1961,7 @@
           <a:p>
             <a:fld id="{5BE25D22-1CA8-5244-A658-7F95A5E66022}" type="datetimeFigureOut">
               <a:rPr lang="en-US" smtClean="0"/>
-              <a:t>6/14/20</a:t>
+              <a:t>1/11/21</a:t>
             </a:fld>
             <a:endParaRPr lang="en-US"/>
           </a:p>
@@ -2072,7 +2074,7 @@
           <a:p>
             <a:fld id="{5BE25D22-1CA8-5244-A658-7F95A5E66022}" type="datetimeFigureOut">
               <a:rPr lang="en-US" smtClean="0"/>
-              <a:t>6/14/20</a:t>
+              <a:t>1/11/21</a:t>
             </a:fld>
             <a:endParaRPr lang="en-US"/>
           </a:p>
@@ -2383,7 +2385,7 @@
           <a:p>
             <a:fld id="{5BE25D22-1CA8-5244-A658-7F95A5E66022}" type="datetimeFigureOut">
               <a:rPr lang="en-US" smtClean="0"/>
-              <a:t>6/14/20</a:t>
+              <a:t>1/11/21</a:t>
             </a:fld>
             <a:endParaRPr lang="en-US"/>
           </a:p>
@@ -2671,7 +2673,7 @@
           <a:p>
             <a:fld id="{5BE25D22-1CA8-5244-A658-7F95A5E66022}" type="datetimeFigureOut">
               <a:rPr lang="en-US" smtClean="0"/>
-              <a:t>6/14/20</a:t>
+              <a:t>1/11/21</a:t>
             </a:fld>
             <a:endParaRPr lang="en-US"/>
           </a:p>
@@ -2912,7 +2914,7 @@
           <a:p>
             <a:fld id="{5BE25D22-1CA8-5244-A658-7F95A5E66022}" type="datetimeFigureOut">
               <a:rPr lang="en-US" smtClean="0"/>
-              <a:t>6/14/20</a:t>
+              <a:t>1/11/21</a:t>
             </a:fld>
             <a:endParaRPr lang="en-US"/>
           </a:p>
@@ -3376,43 +3378,6 @@
           </a:extLst>
         </p:spPr>
       </p:pic>
-      <p:sp>
-        <p:nvSpPr>
-          <p:cNvPr id="3" name="TextBox 2">
-            <a:extLst>
-              <a:ext uri="{FF2B5EF4-FFF2-40B4-BE49-F238E27FC236}">
-                <a16:creationId xmlns:a16="http://schemas.microsoft.com/office/drawing/2014/main" id="{DC2B11D4-CCC3-5D4B-B223-74C70DE75282}"/>
-              </a:ext>
-            </a:extLst>
-          </p:cNvPr>
-          <p:cNvSpPr txBox="1"/>
-          <p:nvPr/>
-        </p:nvSpPr>
-        <p:spPr>
-          <a:xfrm>
-            <a:off x="2638190" y="6014123"/>
-            <a:ext cx="1067921" cy="584775"/>
-          </a:xfrm>
-          <a:prstGeom prst="rect">
-            <a:avLst/>
-          </a:prstGeom>
-          <a:solidFill>
-            <a:schemeClr val="bg1"/>
-          </a:solidFill>
-        </p:spPr>
-        <p:txBody>
-          <a:bodyPr wrap="none" rtlCol="0">
-            <a:spAutoFit/>
-          </a:bodyPr>
-          <a:lstStyle/>
-          <a:p>
-            <a:r>
-              <a:rPr lang="en-US" sz="3200" dirty="0"/>
-              <a:t>Fig. 1</a:t>
-            </a:r>
-          </a:p>
-        </p:txBody>
-      </p:sp>
     </p:spTree>
     <p:extLst>
       <p:ext uri="{BB962C8B-B14F-4D97-AF65-F5344CB8AC3E}">
@@ -3490,43 +3455,6 @@
           </a:extLst>
         </p:spPr>
       </p:pic>
-      <p:sp>
-        <p:nvSpPr>
-          <p:cNvPr id="3" name="TextBox 2">
-            <a:extLst>
-              <a:ext uri="{FF2B5EF4-FFF2-40B4-BE49-F238E27FC236}">
-                <a16:creationId xmlns:a16="http://schemas.microsoft.com/office/drawing/2014/main" id="{F2C2C4AC-24DF-704A-9652-C326EDB6EF5F}"/>
-              </a:ext>
-            </a:extLst>
-          </p:cNvPr>
-          <p:cNvSpPr txBox="1"/>
-          <p:nvPr/>
-        </p:nvSpPr>
-        <p:spPr>
-          <a:xfrm>
-            <a:off x="809392" y="6156267"/>
-            <a:ext cx="1067921" cy="584775"/>
-          </a:xfrm>
-          <a:prstGeom prst="rect">
-            <a:avLst/>
-          </a:prstGeom>
-          <a:solidFill>
-            <a:schemeClr val="bg1"/>
-          </a:solidFill>
-        </p:spPr>
-        <p:txBody>
-          <a:bodyPr wrap="none" rtlCol="0">
-            <a:spAutoFit/>
-          </a:bodyPr>
-          <a:lstStyle/>
-          <a:p>
-            <a:r>
-              <a:rPr lang="en-US" sz="3200" dirty="0"/>
-              <a:t>Fig. 2</a:t>
-            </a:r>
-          </a:p>
-        </p:txBody>
-      </p:sp>
     </p:spTree>
     <p:extLst>
       <p:ext uri="{BB962C8B-B14F-4D97-AF65-F5344CB8AC3E}">
@@ -3709,43 +3637,6 @@
             <a:r>
               <a:rPr lang="en-US" sz="3200" dirty="0"/>
               <a:t>Day 30</a:t>
-            </a:r>
-          </a:p>
-        </p:txBody>
-      </p:sp>
-      <p:sp>
-        <p:nvSpPr>
-          <p:cNvPr id="7" name="TextBox 6">
-            <a:extLst>
-              <a:ext uri="{FF2B5EF4-FFF2-40B4-BE49-F238E27FC236}">
-                <a16:creationId xmlns:a16="http://schemas.microsoft.com/office/drawing/2014/main" id="{2F183838-E650-9545-A551-E04D6E4D5C49}"/>
-              </a:ext>
-            </a:extLst>
-          </p:cNvPr>
-          <p:cNvSpPr txBox="1"/>
-          <p:nvPr/>
-        </p:nvSpPr>
-        <p:spPr>
-          <a:xfrm>
-            <a:off x="922170" y="6117629"/>
-            <a:ext cx="1067921" cy="584775"/>
-          </a:xfrm>
-          <a:prstGeom prst="rect">
-            <a:avLst/>
-          </a:prstGeom>
-          <a:solidFill>
-            <a:schemeClr val="bg1"/>
-          </a:solidFill>
-        </p:spPr>
-        <p:txBody>
-          <a:bodyPr wrap="none" rtlCol="0">
-            <a:spAutoFit/>
-          </a:bodyPr>
-          <a:lstStyle/>
-          <a:p>
-            <a:r>
-              <a:rPr lang="en-US" sz="3200" dirty="0"/>
-              <a:t>Fig. 3</a:t>
             </a:r>
           </a:p>
         </p:txBody>
@@ -5773,6 +5664,4987 @@
 </p:sld>
 </file>
 
+<file path=ppt/slides/slide5.xml><?xml version="1.0" encoding="utf-8"?>
+<p:sld xmlns:a="http://schemas.openxmlformats.org/drawingml/2006/main" xmlns:r="http://schemas.openxmlformats.org/officeDocument/2006/relationships" xmlns:p="http://schemas.openxmlformats.org/presentationml/2006/main">
+  <p:cSld>
+    <p:spTree>
+      <p:nvGrpSpPr>
+        <p:cNvPr id="1" name=""/>
+        <p:cNvGrpSpPr/>
+        <p:nvPr/>
+      </p:nvGrpSpPr>
+      <p:grpSpPr>
+        <a:xfrm>
+          <a:off x="0" y="0"/>
+          <a:ext cx="0" cy="0"/>
+          <a:chOff x="0" y="0"/>
+          <a:chExt cx="0" cy="0"/>
+        </a:xfrm>
+      </p:grpSpPr>
+      <p:grpSp>
+        <p:nvGrpSpPr>
+          <p:cNvPr id="3" name="Group 2">
+            <a:extLst>
+              <a:ext uri="{FF2B5EF4-FFF2-40B4-BE49-F238E27FC236}">
+                <a16:creationId xmlns:a16="http://schemas.microsoft.com/office/drawing/2014/main" id="{9C034620-390D-494C-A090-CA38E78A0CAA}"/>
+              </a:ext>
+            </a:extLst>
+          </p:cNvPr>
+          <p:cNvGrpSpPr/>
+          <p:nvPr/>
+        </p:nvGrpSpPr>
+        <p:grpSpPr>
+          <a:xfrm>
+            <a:off x="498995" y="42725"/>
+            <a:ext cx="9442330" cy="6815275"/>
+            <a:chOff x="513985" y="208817"/>
+            <a:chExt cx="9442330" cy="6815275"/>
+          </a:xfrm>
+        </p:grpSpPr>
+        <p:sp>
+          <p:nvSpPr>
+            <p:cNvPr id="4" name="Can 3">
+              <a:extLst>
+                <a:ext uri="{FF2B5EF4-FFF2-40B4-BE49-F238E27FC236}">
+                  <a16:creationId xmlns:a16="http://schemas.microsoft.com/office/drawing/2014/main" id="{E977D996-F76A-3144-B132-D0C85AD4DE3D}"/>
+                </a:ext>
+              </a:extLst>
+            </p:cNvPr>
+            <p:cNvSpPr/>
+            <p:nvPr/>
+          </p:nvSpPr>
+          <p:spPr>
+            <a:xfrm>
+              <a:off x="868023" y="1437180"/>
+              <a:ext cx="702365" cy="510632"/>
+            </a:xfrm>
+            <a:prstGeom prst="can">
+              <a:avLst/>
+            </a:prstGeom>
+            <a:effectLst>
+              <a:outerShdw blurRad="50800" dist="38100" dir="2700000" algn="tl" rotWithShape="0">
+                <a:prstClr val="black">
+                  <a:alpha val="40000"/>
+                </a:prstClr>
+              </a:outerShdw>
+            </a:effectLst>
+          </p:spPr>
+          <p:style>
+            <a:lnRef idx="2">
+              <a:schemeClr val="accent1">
+                <a:shade val="50000"/>
+              </a:schemeClr>
+            </a:lnRef>
+            <a:fillRef idx="1">
+              <a:schemeClr val="accent1"/>
+            </a:fillRef>
+            <a:effectRef idx="0">
+              <a:schemeClr val="accent1"/>
+            </a:effectRef>
+            <a:fontRef idx="minor">
+              <a:schemeClr val="lt1"/>
+            </a:fontRef>
+          </p:style>
+          <p:txBody>
+            <a:bodyPr rtlCol="0" anchor="ctr"/>
+            <a:lstStyle/>
+            <a:p>
+              <a:pPr algn="ctr"/>
+              <a:endParaRPr lang="en-US"/>
+            </a:p>
+          </p:txBody>
+        </p:sp>
+        <p:sp>
+          <p:nvSpPr>
+            <p:cNvPr id="5" name="Can 4">
+              <a:extLst>
+                <a:ext uri="{FF2B5EF4-FFF2-40B4-BE49-F238E27FC236}">
+                  <a16:creationId xmlns:a16="http://schemas.microsoft.com/office/drawing/2014/main" id="{BDAE9131-2459-0E4A-B9F6-095D112E8F71}"/>
+                </a:ext>
+              </a:extLst>
+            </p:cNvPr>
+            <p:cNvSpPr/>
+            <p:nvPr/>
+          </p:nvSpPr>
+          <p:spPr>
+            <a:xfrm>
+              <a:off x="868020" y="2560022"/>
+              <a:ext cx="702365" cy="510632"/>
+            </a:xfrm>
+            <a:prstGeom prst="can">
+              <a:avLst/>
+            </a:prstGeom>
+            <a:effectLst>
+              <a:outerShdw blurRad="50800" dist="38100" dir="2700000" algn="tl" rotWithShape="0">
+                <a:prstClr val="black">
+                  <a:alpha val="40000"/>
+                </a:prstClr>
+              </a:outerShdw>
+            </a:effectLst>
+          </p:spPr>
+          <p:style>
+            <a:lnRef idx="2">
+              <a:schemeClr val="accent1">
+                <a:shade val="50000"/>
+              </a:schemeClr>
+            </a:lnRef>
+            <a:fillRef idx="1">
+              <a:schemeClr val="accent1"/>
+            </a:fillRef>
+            <a:effectRef idx="0">
+              <a:schemeClr val="accent1"/>
+            </a:effectRef>
+            <a:fontRef idx="minor">
+              <a:schemeClr val="lt1"/>
+            </a:fontRef>
+          </p:style>
+          <p:txBody>
+            <a:bodyPr rtlCol="0" anchor="ctr"/>
+            <a:lstStyle/>
+            <a:p>
+              <a:pPr algn="ctr"/>
+              <a:endParaRPr lang="en-US"/>
+            </a:p>
+          </p:txBody>
+        </p:sp>
+        <p:sp>
+          <p:nvSpPr>
+            <p:cNvPr id="6" name="Can 5">
+              <a:extLst>
+                <a:ext uri="{FF2B5EF4-FFF2-40B4-BE49-F238E27FC236}">
+                  <a16:creationId xmlns:a16="http://schemas.microsoft.com/office/drawing/2014/main" id="{3F219C4A-AEEF-7740-8808-2030CA8F207C}"/>
+                </a:ext>
+              </a:extLst>
+            </p:cNvPr>
+            <p:cNvSpPr/>
+            <p:nvPr/>
+          </p:nvSpPr>
+          <p:spPr>
+            <a:xfrm>
+              <a:off x="868021" y="3132476"/>
+              <a:ext cx="702365" cy="510632"/>
+            </a:xfrm>
+            <a:prstGeom prst="can">
+              <a:avLst/>
+            </a:prstGeom>
+            <a:effectLst>
+              <a:outerShdw blurRad="50800" dist="38100" dir="2700000" algn="tl" rotWithShape="0">
+                <a:prstClr val="black">
+                  <a:alpha val="40000"/>
+                </a:prstClr>
+              </a:outerShdw>
+            </a:effectLst>
+          </p:spPr>
+          <p:style>
+            <a:lnRef idx="2">
+              <a:schemeClr val="accent1">
+                <a:shade val="50000"/>
+              </a:schemeClr>
+            </a:lnRef>
+            <a:fillRef idx="1">
+              <a:schemeClr val="accent1"/>
+            </a:fillRef>
+            <a:effectRef idx="0">
+              <a:schemeClr val="accent1"/>
+            </a:effectRef>
+            <a:fontRef idx="minor">
+              <a:schemeClr val="lt1"/>
+            </a:fontRef>
+          </p:style>
+          <p:txBody>
+            <a:bodyPr rtlCol="0" anchor="ctr"/>
+            <a:lstStyle/>
+            <a:p>
+              <a:pPr algn="ctr"/>
+              <a:endParaRPr lang="en-US"/>
+            </a:p>
+          </p:txBody>
+        </p:sp>
+        <p:sp>
+          <p:nvSpPr>
+            <p:cNvPr id="7" name="Can 6">
+              <a:extLst>
+                <a:ext uri="{FF2B5EF4-FFF2-40B4-BE49-F238E27FC236}">
+                  <a16:creationId xmlns:a16="http://schemas.microsoft.com/office/drawing/2014/main" id="{F3B854E7-5253-A74E-ABFC-EFC05681C193}"/>
+                </a:ext>
+              </a:extLst>
+            </p:cNvPr>
+            <p:cNvSpPr/>
+            <p:nvPr/>
+          </p:nvSpPr>
+          <p:spPr>
+            <a:xfrm>
+              <a:off x="868022" y="1987569"/>
+              <a:ext cx="702365" cy="510632"/>
+            </a:xfrm>
+            <a:prstGeom prst="can">
+              <a:avLst/>
+            </a:prstGeom>
+            <a:effectLst>
+              <a:outerShdw blurRad="50800" dist="38100" dir="2700000" algn="tl" rotWithShape="0">
+                <a:prstClr val="black">
+                  <a:alpha val="40000"/>
+                </a:prstClr>
+              </a:outerShdw>
+            </a:effectLst>
+          </p:spPr>
+          <p:style>
+            <a:lnRef idx="2">
+              <a:schemeClr val="accent1">
+                <a:shade val="50000"/>
+              </a:schemeClr>
+            </a:lnRef>
+            <a:fillRef idx="1">
+              <a:schemeClr val="accent1"/>
+            </a:fillRef>
+            <a:effectRef idx="0">
+              <a:schemeClr val="accent1"/>
+            </a:effectRef>
+            <a:fontRef idx="minor">
+              <a:schemeClr val="lt1"/>
+            </a:fontRef>
+          </p:style>
+          <p:txBody>
+            <a:bodyPr rtlCol="0" anchor="ctr"/>
+            <a:lstStyle/>
+            <a:p>
+              <a:pPr algn="ctr"/>
+              <a:endParaRPr lang="en-US"/>
+            </a:p>
+          </p:txBody>
+        </p:sp>
+        <p:sp>
+          <p:nvSpPr>
+            <p:cNvPr id="8" name="TextBox 7">
+              <a:extLst>
+                <a:ext uri="{FF2B5EF4-FFF2-40B4-BE49-F238E27FC236}">
+                  <a16:creationId xmlns:a16="http://schemas.microsoft.com/office/drawing/2014/main" id="{CA9F9B86-D059-1141-9032-C9E9A75F6A60}"/>
+                </a:ext>
+              </a:extLst>
+            </p:cNvPr>
+            <p:cNvSpPr txBox="1"/>
+            <p:nvPr/>
+          </p:nvSpPr>
+          <p:spPr>
+            <a:xfrm>
+              <a:off x="762282" y="3739817"/>
+              <a:ext cx="913840" cy="646331"/>
+            </a:xfrm>
+            <a:prstGeom prst="rect">
+              <a:avLst/>
+            </a:prstGeom>
+            <a:noFill/>
+          </p:spPr>
+          <p:txBody>
+            <a:bodyPr wrap="none" rtlCol="0">
+              <a:spAutoFit/>
+            </a:bodyPr>
+            <a:lstStyle/>
+            <a:p>
+              <a:pPr algn="ctr"/>
+              <a:r>
+                <a:rPr lang="en-US" dirty="0"/>
+                <a:t>Data </a:t>
+              </a:r>
+            </a:p>
+            <a:p>
+              <a:pPr algn="ctr"/>
+              <a:r>
+                <a:rPr lang="en-US" dirty="0"/>
+                <a:t>Sources</a:t>
+              </a:r>
+            </a:p>
+          </p:txBody>
+        </p:sp>
+        <p:sp>
+          <p:nvSpPr>
+            <p:cNvPr id="9" name="Rounded Rectangle 8">
+              <a:extLst>
+                <a:ext uri="{FF2B5EF4-FFF2-40B4-BE49-F238E27FC236}">
+                  <a16:creationId xmlns:a16="http://schemas.microsoft.com/office/drawing/2014/main" id="{F8A538E6-472B-5C4C-8269-F86DCC16E2EC}"/>
+                </a:ext>
+              </a:extLst>
+            </p:cNvPr>
+            <p:cNvSpPr/>
+            <p:nvPr/>
+          </p:nvSpPr>
+          <p:spPr>
+            <a:xfrm>
+              <a:off x="1781860" y="1450432"/>
+              <a:ext cx="1219200" cy="417867"/>
+            </a:xfrm>
+            <a:prstGeom prst="roundRect">
+              <a:avLst/>
+            </a:prstGeom>
+            <a:effectLst>
+              <a:outerShdw blurRad="50800" dist="38100" dir="2700000" algn="tl" rotWithShape="0">
+                <a:prstClr val="black">
+                  <a:alpha val="40000"/>
+                </a:prstClr>
+              </a:outerShdw>
+            </a:effectLst>
+          </p:spPr>
+          <p:style>
+            <a:lnRef idx="1">
+              <a:schemeClr val="accent1"/>
+            </a:lnRef>
+            <a:fillRef idx="2">
+              <a:schemeClr val="accent1"/>
+            </a:fillRef>
+            <a:effectRef idx="1">
+              <a:schemeClr val="accent1"/>
+            </a:effectRef>
+            <a:fontRef idx="minor">
+              <a:schemeClr val="dk1"/>
+            </a:fontRef>
+          </p:style>
+          <p:txBody>
+            <a:bodyPr rtlCol="0" anchor="ctr"/>
+            <a:lstStyle/>
+            <a:p>
+              <a:pPr algn="ctr"/>
+              <a:r>
+                <a:rPr lang="en-US" dirty="0"/>
+                <a:t>Data API</a:t>
+              </a:r>
+            </a:p>
+          </p:txBody>
+        </p:sp>
+        <p:sp>
+          <p:nvSpPr>
+            <p:cNvPr id="10" name="Rounded Rectangle 9">
+              <a:extLst>
+                <a:ext uri="{FF2B5EF4-FFF2-40B4-BE49-F238E27FC236}">
+                  <a16:creationId xmlns:a16="http://schemas.microsoft.com/office/drawing/2014/main" id="{7A55379C-906E-B343-937B-06DEF969EA44}"/>
+                </a:ext>
+              </a:extLst>
+            </p:cNvPr>
+            <p:cNvSpPr/>
+            <p:nvPr/>
+          </p:nvSpPr>
+          <p:spPr>
+            <a:xfrm>
+              <a:off x="1781860" y="2033951"/>
+              <a:ext cx="1219200" cy="417867"/>
+            </a:xfrm>
+            <a:prstGeom prst="roundRect">
+              <a:avLst/>
+            </a:prstGeom>
+            <a:effectLst>
+              <a:outerShdw blurRad="50800" dist="38100" dir="2700000" algn="tl" rotWithShape="0">
+                <a:prstClr val="black">
+                  <a:alpha val="40000"/>
+                </a:prstClr>
+              </a:outerShdw>
+            </a:effectLst>
+          </p:spPr>
+          <p:style>
+            <a:lnRef idx="1">
+              <a:schemeClr val="accent1"/>
+            </a:lnRef>
+            <a:fillRef idx="2">
+              <a:schemeClr val="accent1"/>
+            </a:fillRef>
+            <a:effectRef idx="1">
+              <a:schemeClr val="accent1"/>
+            </a:effectRef>
+            <a:fontRef idx="minor">
+              <a:schemeClr val="dk1"/>
+            </a:fontRef>
+          </p:style>
+          <p:txBody>
+            <a:bodyPr rtlCol="0" anchor="ctr"/>
+            <a:lstStyle/>
+            <a:p>
+              <a:pPr algn="ctr"/>
+              <a:r>
+                <a:rPr lang="en-US" dirty="0"/>
+                <a:t>Data API</a:t>
+              </a:r>
+            </a:p>
+          </p:txBody>
+        </p:sp>
+        <p:sp>
+          <p:nvSpPr>
+            <p:cNvPr id="11" name="Rounded Rectangle 10">
+              <a:extLst>
+                <a:ext uri="{FF2B5EF4-FFF2-40B4-BE49-F238E27FC236}">
+                  <a16:creationId xmlns:a16="http://schemas.microsoft.com/office/drawing/2014/main" id="{FAAD9B12-1DE7-BB42-956B-89C70D6CEB51}"/>
+                </a:ext>
+              </a:extLst>
+            </p:cNvPr>
+            <p:cNvSpPr/>
+            <p:nvPr/>
+          </p:nvSpPr>
+          <p:spPr>
+            <a:xfrm>
+              <a:off x="1781860" y="2652787"/>
+              <a:ext cx="1219200" cy="417867"/>
+            </a:xfrm>
+            <a:prstGeom prst="roundRect">
+              <a:avLst/>
+            </a:prstGeom>
+            <a:effectLst>
+              <a:outerShdw blurRad="50800" dist="38100" dir="2700000" algn="tl" rotWithShape="0">
+                <a:prstClr val="black">
+                  <a:alpha val="40000"/>
+                </a:prstClr>
+              </a:outerShdw>
+            </a:effectLst>
+          </p:spPr>
+          <p:style>
+            <a:lnRef idx="1">
+              <a:schemeClr val="accent1"/>
+            </a:lnRef>
+            <a:fillRef idx="2">
+              <a:schemeClr val="accent1"/>
+            </a:fillRef>
+            <a:effectRef idx="1">
+              <a:schemeClr val="accent1"/>
+            </a:effectRef>
+            <a:fontRef idx="minor">
+              <a:schemeClr val="dk1"/>
+            </a:fontRef>
+          </p:style>
+          <p:txBody>
+            <a:bodyPr rtlCol="0" anchor="ctr"/>
+            <a:lstStyle/>
+            <a:p>
+              <a:pPr algn="ctr"/>
+              <a:r>
+                <a:rPr lang="en-US" dirty="0"/>
+                <a:t>Data API</a:t>
+              </a:r>
+            </a:p>
+          </p:txBody>
+        </p:sp>
+        <p:sp>
+          <p:nvSpPr>
+            <p:cNvPr id="12" name="Rounded Rectangle 11">
+              <a:extLst>
+                <a:ext uri="{FF2B5EF4-FFF2-40B4-BE49-F238E27FC236}">
+                  <a16:creationId xmlns:a16="http://schemas.microsoft.com/office/drawing/2014/main" id="{79C7221C-308D-DF43-A932-79EE968D5DBD}"/>
+                </a:ext>
+              </a:extLst>
+            </p:cNvPr>
+            <p:cNvSpPr/>
+            <p:nvPr/>
+          </p:nvSpPr>
+          <p:spPr>
+            <a:xfrm>
+              <a:off x="1768044" y="3227851"/>
+              <a:ext cx="1219200" cy="417867"/>
+            </a:xfrm>
+            <a:prstGeom prst="roundRect">
+              <a:avLst/>
+            </a:prstGeom>
+            <a:effectLst>
+              <a:outerShdw blurRad="50800" dist="38100" dir="2700000" algn="tl" rotWithShape="0">
+                <a:prstClr val="black">
+                  <a:alpha val="40000"/>
+                </a:prstClr>
+              </a:outerShdw>
+            </a:effectLst>
+          </p:spPr>
+          <p:style>
+            <a:lnRef idx="1">
+              <a:schemeClr val="accent1"/>
+            </a:lnRef>
+            <a:fillRef idx="2">
+              <a:schemeClr val="accent1"/>
+            </a:fillRef>
+            <a:effectRef idx="1">
+              <a:schemeClr val="accent1"/>
+            </a:effectRef>
+            <a:fontRef idx="minor">
+              <a:schemeClr val="dk1"/>
+            </a:fontRef>
+          </p:style>
+          <p:txBody>
+            <a:bodyPr rtlCol="0" anchor="ctr"/>
+            <a:lstStyle/>
+            <a:p>
+              <a:pPr algn="ctr"/>
+              <a:r>
+                <a:rPr lang="en-US" dirty="0"/>
+                <a:t>…</a:t>
+              </a:r>
+            </a:p>
+          </p:txBody>
+        </p:sp>
+        <p:sp>
+          <p:nvSpPr>
+            <p:cNvPr id="14" name="Rounded Rectangle 13">
+              <a:extLst>
+                <a:ext uri="{FF2B5EF4-FFF2-40B4-BE49-F238E27FC236}">
+                  <a16:creationId xmlns:a16="http://schemas.microsoft.com/office/drawing/2014/main" id="{A1B58696-C5AB-434F-A3C5-8419AC98E8E0}"/>
+                </a:ext>
+              </a:extLst>
+            </p:cNvPr>
+            <p:cNvSpPr/>
+            <p:nvPr/>
+          </p:nvSpPr>
+          <p:spPr>
+            <a:xfrm rot="16200000">
+              <a:off x="2432735" y="2216977"/>
+              <a:ext cx="2205928" cy="646331"/>
+            </a:xfrm>
+            <a:prstGeom prst="roundRect">
+              <a:avLst/>
+            </a:prstGeom>
+            <a:solidFill>
+              <a:schemeClr val="accent6">
+                <a:lumMod val="20000"/>
+                <a:lumOff val="80000"/>
+              </a:schemeClr>
+            </a:solidFill>
+            <a:effectLst>
+              <a:outerShdw blurRad="50800" dist="38100" dir="2700000" algn="tl" rotWithShape="0">
+                <a:prstClr val="black">
+                  <a:alpha val="40000"/>
+                </a:prstClr>
+              </a:outerShdw>
+            </a:effectLst>
+          </p:spPr>
+          <p:style>
+            <a:lnRef idx="1">
+              <a:schemeClr val="accent4"/>
+            </a:lnRef>
+            <a:fillRef idx="2">
+              <a:schemeClr val="accent4"/>
+            </a:fillRef>
+            <a:effectRef idx="1">
+              <a:schemeClr val="accent4"/>
+            </a:effectRef>
+            <a:fontRef idx="minor">
+              <a:schemeClr val="dk1"/>
+            </a:fontRef>
+          </p:style>
+          <p:txBody>
+            <a:bodyPr rtlCol="0" anchor="ctr"/>
+            <a:lstStyle/>
+            <a:p>
+              <a:pPr algn="ctr"/>
+              <a:r>
+                <a:rPr lang="en-US" dirty="0"/>
+                <a:t>Data Wrangler/Extractor</a:t>
+              </a:r>
+            </a:p>
+          </p:txBody>
+        </p:sp>
+        <p:sp>
+          <p:nvSpPr>
+            <p:cNvPr id="19" name="Rounded Rectangle 18">
+              <a:extLst>
+                <a:ext uri="{FF2B5EF4-FFF2-40B4-BE49-F238E27FC236}">
+                  <a16:creationId xmlns:a16="http://schemas.microsoft.com/office/drawing/2014/main" id="{C7674DE8-8FC3-3140-9995-1D1F8E949807}"/>
+                </a:ext>
+              </a:extLst>
+            </p:cNvPr>
+            <p:cNvSpPr/>
+            <p:nvPr/>
+          </p:nvSpPr>
+          <p:spPr>
+            <a:xfrm>
+              <a:off x="6573226" y="1437177"/>
+              <a:ext cx="1219200" cy="417867"/>
+            </a:xfrm>
+            <a:prstGeom prst="roundRect">
+              <a:avLst/>
+            </a:prstGeom>
+            <a:effectLst>
+              <a:outerShdw blurRad="50800" dist="38100" dir="2700000" algn="tl" rotWithShape="0">
+                <a:prstClr val="black">
+                  <a:alpha val="40000"/>
+                </a:prstClr>
+              </a:outerShdw>
+            </a:effectLst>
+          </p:spPr>
+          <p:style>
+            <a:lnRef idx="1">
+              <a:schemeClr val="accent5"/>
+            </a:lnRef>
+            <a:fillRef idx="2">
+              <a:schemeClr val="accent5"/>
+            </a:fillRef>
+            <a:effectRef idx="1">
+              <a:schemeClr val="accent5"/>
+            </a:effectRef>
+            <a:fontRef idx="minor">
+              <a:schemeClr val="dk1"/>
+            </a:fontRef>
+          </p:style>
+          <p:txBody>
+            <a:bodyPr rtlCol="0" anchor="ctr"/>
+            <a:lstStyle/>
+            <a:p>
+              <a:pPr algn="ctr"/>
+              <a:r>
+                <a:rPr lang="en-US" dirty="0"/>
+                <a:t>Model A</a:t>
+              </a:r>
+            </a:p>
+          </p:txBody>
+        </p:sp>
+        <p:sp>
+          <p:nvSpPr>
+            <p:cNvPr id="20" name="Rounded Rectangle 19">
+              <a:extLst>
+                <a:ext uri="{FF2B5EF4-FFF2-40B4-BE49-F238E27FC236}">
+                  <a16:creationId xmlns:a16="http://schemas.microsoft.com/office/drawing/2014/main" id="{FDE50E4F-083C-4F4B-ABDD-9D705C82A00D}"/>
+                </a:ext>
+              </a:extLst>
+            </p:cNvPr>
+            <p:cNvSpPr/>
+            <p:nvPr/>
+          </p:nvSpPr>
+          <p:spPr>
+            <a:xfrm>
+              <a:off x="6573226" y="2020696"/>
+              <a:ext cx="1219200" cy="417867"/>
+            </a:xfrm>
+            <a:prstGeom prst="roundRect">
+              <a:avLst/>
+            </a:prstGeom>
+            <a:effectLst>
+              <a:outerShdw blurRad="50800" dist="38100" dir="2700000" algn="tl" rotWithShape="0">
+                <a:prstClr val="black">
+                  <a:alpha val="40000"/>
+                </a:prstClr>
+              </a:outerShdw>
+            </a:effectLst>
+          </p:spPr>
+          <p:style>
+            <a:lnRef idx="1">
+              <a:schemeClr val="accent5"/>
+            </a:lnRef>
+            <a:fillRef idx="2">
+              <a:schemeClr val="accent5"/>
+            </a:fillRef>
+            <a:effectRef idx="1">
+              <a:schemeClr val="accent5"/>
+            </a:effectRef>
+            <a:fontRef idx="minor">
+              <a:schemeClr val="dk1"/>
+            </a:fontRef>
+          </p:style>
+          <p:txBody>
+            <a:bodyPr rtlCol="0" anchor="ctr"/>
+            <a:lstStyle/>
+            <a:p>
+              <a:pPr algn="ctr"/>
+              <a:r>
+                <a:rPr lang="en-US" dirty="0"/>
+                <a:t>Model B</a:t>
+              </a:r>
+            </a:p>
+          </p:txBody>
+        </p:sp>
+        <p:sp>
+          <p:nvSpPr>
+            <p:cNvPr id="21" name="Rounded Rectangle 20">
+              <a:extLst>
+                <a:ext uri="{FF2B5EF4-FFF2-40B4-BE49-F238E27FC236}">
+                  <a16:creationId xmlns:a16="http://schemas.microsoft.com/office/drawing/2014/main" id="{251EF229-8B47-1641-B54A-E9E1E781C23A}"/>
+                </a:ext>
+              </a:extLst>
+            </p:cNvPr>
+            <p:cNvSpPr/>
+            <p:nvPr/>
+          </p:nvSpPr>
+          <p:spPr>
+            <a:xfrm>
+              <a:off x="6573226" y="2639532"/>
+              <a:ext cx="1219200" cy="417867"/>
+            </a:xfrm>
+            <a:prstGeom prst="roundRect">
+              <a:avLst/>
+            </a:prstGeom>
+            <a:effectLst>
+              <a:outerShdw blurRad="50800" dist="38100" dir="2700000" algn="tl" rotWithShape="0">
+                <a:prstClr val="black">
+                  <a:alpha val="40000"/>
+                </a:prstClr>
+              </a:outerShdw>
+            </a:effectLst>
+          </p:spPr>
+          <p:style>
+            <a:lnRef idx="1">
+              <a:schemeClr val="accent1"/>
+            </a:lnRef>
+            <a:fillRef idx="2">
+              <a:schemeClr val="accent1"/>
+            </a:fillRef>
+            <a:effectRef idx="1">
+              <a:schemeClr val="accent1"/>
+            </a:effectRef>
+            <a:fontRef idx="minor">
+              <a:schemeClr val="dk1"/>
+            </a:fontRef>
+          </p:style>
+          <p:txBody>
+            <a:bodyPr rtlCol="0" anchor="ctr"/>
+            <a:lstStyle/>
+            <a:p>
+              <a:pPr algn="ctr"/>
+              <a:r>
+                <a:rPr lang="en-US" dirty="0"/>
+                <a:t>Model C</a:t>
+              </a:r>
+            </a:p>
+          </p:txBody>
+        </p:sp>
+        <p:sp>
+          <p:nvSpPr>
+            <p:cNvPr id="22" name="Rounded Rectangle 21">
+              <a:extLst>
+                <a:ext uri="{FF2B5EF4-FFF2-40B4-BE49-F238E27FC236}">
+                  <a16:creationId xmlns:a16="http://schemas.microsoft.com/office/drawing/2014/main" id="{1E50FA18-3284-EB49-BEC3-B1C0C0D0590E}"/>
+                </a:ext>
+              </a:extLst>
+            </p:cNvPr>
+            <p:cNvSpPr/>
+            <p:nvPr/>
+          </p:nvSpPr>
+          <p:spPr>
+            <a:xfrm>
+              <a:off x="6559410" y="3214596"/>
+              <a:ext cx="1219200" cy="417867"/>
+            </a:xfrm>
+            <a:prstGeom prst="roundRect">
+              <a:avLst/>
+            </a:prstGeom>
+            <a:effectLst>
+              <a:outerShdw blurRad="50800" dist="38100" dir="2700000" algn="tl" rotWithShape="0">
+                <a:prstClr val="black">
+                  <a:alpha val="40000"/>
+                </a:prstClr>
+              </a:outerShdw>
+            </a:effectLst>
+          </p:spPr>
+          <p:style>
+            <a:lnRef idx="1">
+              <a:schemeClr val="accent1"/>
+            </a:lnRef>
+            <a:fillRef idx="2">
+              <a:schemeClr val="accent1"/>
+            </a:fillRef>
+            <a:effectRef idx="1">
+              <a:schemeClr val="accent1"/>
+            </a:effectRef>
+            <a:fontRef idx="minor">
+              <a:schemeClr val="dk1"/>
+            </a:fontRef>
+          </p:style>
+          <p:txBody>
+            <a:bodyPr rtlCol="0" anchor="ctr"/>
+            <a:lstStyle/>
+            <a:p>
+              <a:pPr algn="ctr"/>
+              <a:r>
+                <a:rPr lang="en-US" dirty="0"/>
+                <a:t>…</a:t>
+              </a:r>
+            </a:p>
+          </p:txBody>
+        </p:sp>
+        <p:sp>
+          <p:nvSpPr>
+            <p:cNvPr id="23" name="Rounded Rectangle 22">
+              <a:extLst>
+                <a:ext uri="{FF2B5EF4-FFF2-40B4-BE49-F238E27FC236}">
+                  <a16:creationId xmlns:a16="http://schemas.microsoft.com/office/drawing/2014/main" id="{793C509C-1085-BB48-BC6A-4F5218698B79}"/>
+                </a:ext>
+              </a:extLst>
+            </p:cNvPr>
+            <p:cNvSpPr/>
+            <p:nvPr/>
+          </p:nvSpPr>
+          <p:spPr>
+            <a:xfrm rot="16200000">
+              <a:off x="5041364" y="2236857"/>
+              <a:ext cx="2205928" cy="646329"/>
+            </a:xfrm>
+            <a:prstGeom prst="roundRect">
+              <a:avLst/>
+            </a:prstGeom>
+            <a:solidFill>
+              <a:schemeClr val="accent6">
+                <a:lumMod val="20000"/>
+                <a:lumOff val="80000"/>
+              </a:schemeClr>
+            </a:solidFill>
+            <a:effectLst>
+              <a:outerShdw blurRad="50800" dist="38100" dir="2700000" algn="tl" rotWithShape="0">
+                <a:prstClr val="black">
+                  <a:alpha val="40000"/>
+                </a:prstClr>
+              </a:outerShdw>
+            </a:effectLst>
+          </p:spPr>
+          <p:style>
+            <a:lnRef idx="1">
+              <a:schemeClr val="accent4"/>
+            </a:lnRef>
+            <a:fillRef idx="2">
+              <a:schemeClr val="accent4"/>
+            </a:fillRef>
+            <a:effectRef idx="1">
+              <a:schemeClr val="accent4"/>
+            </a:effectRef>
+            <a:fontRef idx="minor">
+              <a:schemeClr val="dk1"/>
+            </a:fontRef>
+          </p:style>
+          <p:txBody>
+            <a:bodyPr rtlCol="0" anchor="ctr"/>
+            <a:lstStyle/>
+            <a:p>
+              <a:pPr algn="ctr"/>
+              <a:r>
+                <a:rPr lang="en-US" dirty="0"/>
+                <a:t>Model Selector and Aggregator</a:t>
+              </a:r>
+            </a:p>
+          </p:txBody>
+        </p:sp>
+        <p:sp>
+          <p:nvSpPr>
+            <p:cNvPr id="25" name="Rounded Rectangle 24">
+              <a:extLst>
+                <a:ext uri="{FF2B5EF4-FFF2-40B4-BE49-F238E27FC236}">
+                  <a16:creationId xmlns:a16="http://schemas.microsoft.com/office/drawing/2014/main" id="{DE7ABC98-D447-3F42-92D7-4EFC53B79E81}"/>
+                </a:ext>
+              </a:extLst>
+            </p:cNvPr>
+            <p:cNvSpPr/>
+            <p:nvPr/>
+          </p:nvSpPr>
+          <p:spPr>
+            <a:xfrm>
+              <a:off x="804046" y="855581"/>
+              <a:ext cx="7112904" cy="454821"/>
+            </a:xfrm>
+            <a:prstGeom prst="roundRect">
+              <a:avLst/>
+            </a:prstGeom>
+            <a:effectLst>
+              <a:outerShdw blurRad="50800" dist="38100" dir="2700000" algn="tl" rotWithShape="0">
+                <a:prstClr val="black">
+                  <a:alpha val="40000"/>
+                </a:prstClr>
+              </a:outerShdw>
+            </a:effectLst>
+          </p:spPr>
+          <p:style>
+            <a:lnRef idx="1">
+              <a:schemeClr val="accent6"/>
+            </a:lnRef>
+            <a:fillRef idx="2">
+              <a:schemeClr val="accent6"/>
+            </a:fillRef>
+            <a:effectRef idx="1">
+              <a:schemeClr val="accent6"/>
+            </a:effectRef>
+            <a:fontRef idx="minor">
+              <a:schemeClr val="dk1"/>
+            </a:fontRef>
+          </p:style>
+          <p:txBody>
+            <a:bodyPr rtlCol="0" anchor="ctr"/>
+            <a:lstStyle/>
+            <a:p>
+              <a:pPr algn="ctr"/>
+              <a:r>
+                <a:rPr lang="en-US" dirty="0" err="1"/>
+                <a:t>AICov</a:t>
+              </a:r>
+              <a:r>
+                <a:rPr lang="en-US" dirty="0"/>
+                <a:t> Orchestrator</a:t>
+              </a:r>
+            </a:p>
+          </p:txBody>
+        </p:sp>
+        <p:sp>
+          <p:nvSpPr>
+            <p:cNvPr id="26" name="Striped Right Arrow 25">
+              <a:extLst>
+                <a:ext uri="{FF2B5EF4-FFF2-40B4-BE49-F238E27FC236}">
+                  <a16:creationId xmlns:a16="http://schemas.microsoft.com/office/drawing/2014/main" id="{0854E214-FF7C-514E-A578-A75CB06A42F8}"/>
+                </a:ext>
+              </a:extLst>
+            </p:cNvPr>
+            <p:cNvSpPr/>
+            <p:nvPr/>
+          </p:nvSpPr>
+          <p:spPr>
+            <a:xfrm rot="16200000" flipH="1">
+              <a:off x="4156077" y="3853502"/>
+              <a:ext cx="646331" cy="653842"/>
+            </a:xfrm>
+            <a:prstGeom prst="stripedRightArrow">
+              <a:avLst/>
+            </a:prstGeom>
+            <a:effectLst>
+              <a:outerShdw blurRad="50800" dist="38100" dir="2700000" algn="tl" rotWithShape="0">
+                <a:prstClr val="black">
+                  <a:alpha val="40000"/>
+                </a:prstClr>
+              </a:outerShdw>
+            </a:effectLst>
+          </p:spPr>
+          <p:style>
+            <a:lnRef idx="2">
+              <a:schemeClr val="accent1">
+                <a:shade val="50000"/>
+              </a:schemeClr>
+            </a:lnRef>
+            <a:fillRef idx="1">
+              <a:schemeClr val="accent1"/>
+            </a:fillRef>
+            <a:effectRef idx="0">
+              <a:schemeClr val="accent1"/>
+            </a:effectRef>
+            <a:fontRef idx="minor">
+              <a:schemeClr val="lt1"/>
+            </a:fontRef>
+          </p:style>
+          <p:txBody>
+            <a:bodyPr rtlCol="0" anchor="ctr"/>
+            <a:lstStyle/>
+            <a:p>
+              <a:pPr algn="ctr"/>
+              <a:endParaRPr lang="en-US" dirty="0"/>
+            </a:p>
+          </p:txBody>
+        </p:sp>
+        <p:sp>
+          <p:nvSpPr>
+            <p:cNvPr id="38" name="Cube 37">
+              <a:extLst>
+                <a:ext uri="{FF2B5EF4-FFF2-40B4-BE49-F238E27FC236}">
+                  <a16:creationId xmlns:a16="http://schemas.microsoft.com/office/drawing/2014/main" id="{482C5241-23AE-8846-8452-986D85A944C4}"/>
+                </a:ext>
+              </a:extLst>
+            </p:cNvPr>
+            <p:cNvSpPr/>
+            <p:nvPr/>
+          </p:nvSpPr>
+          <p:spPr>
+            <a:xfrm>
+              <a:off x="4670464" y="4915969"/>
+              <a:ext cx="288610" cy="574197"/>
+            </a:xfrm>
+            <a:prstGeom prst="cube">
+              <a:avLst/>
+            </a:prstGeom>
+            <a:solidFill>
+              <a:schemeClr val="tx1">
+                <a:lumMod val="95000"/>
+                <a:lumOff val="5000"/>
+              </a:schemeClr>
+            </a:solidFill>
+          </p:spPr>
+          <p:style>
+            <a:lnRef idx="2">
+              <a:schemeClr val="accent1">
+                <a:shade val="50000"/>
+              </a:schemeClr>
+            </a:lnRef>
+            <a:fillRef idx="1">
+              <a:schemeClr val="accent1"/>
+            </a:fillRef>
+            <a:effectRef idx="0">
+              <a:schemeClr val="accent1"/>
+            </a:effectRef>
+            <a:fontRef idx="minor">
+              <a:schemeClr val="lt1"/>
+            </a:fontRef>
+          </p:style>
+          <p:txBody>
+            <a:bodyPr rtlCol="0" anchor="ctr"/>
+            <a:lstStyle/>
+            <a:p>
+              <a:pPr algn="ctr"/>
+              <a:endParaRPr lang="en-US"/>
+            </a:p>
+          </p:txBody>
+        </p:sp>
+        <p:sp>
+          <p:nvSpPr>
+            <p:cNvPr id="39" name="Cube 38">
+              <a:extLst>
+                <a:ext uri="{FF2B5EF4-FFF2-40B4-BE49-F238E27FC236}">
+                  <a16:creationId xmlns:a16="http://schemas.microsoft.com/office/drawing/2014/main" id="{6D29F8F2-28D3-CC41-93BC-A9DDD7D9BEB6}"/>
+                </a:ext>
+              </a:extLst>
+            </p:cNvPr>
+            <p:cNvSpPr/>
+            <p:nvPr/>
+          </p:nvSpPr>
+          <p:spPr>
+            <a:xfrm>
+              <a:off x="4907661" y="4915968"/>
+              <a:ext cx="288610" cy="574197"/>
+            </a:xfrm>
+            <a:prstGeom prst="cube">
+              <a:avLst/>
+            </a:prstGeom>
+            <a:solidFill>
+              <a:schemeClr val="tx1">
+                <a:lumMod val="95000"/>
+                <a:lumOff val="5000"/>
+              </a:schemeClr>
+            </a:solidFill>
+          </p:spPr>
+          <p:style>
+            <a:lnRef idx="2">
+              <a:schemeClr val="accent1">
+                <a:shade val="50000"/>
+              </a:schemeClr>
+            </a:lnRef>
+            <a:fillRef idx="1">
+              <a:schemeClr val="accent1"/>
+            </a:fillRef>
+            <a:effectRef idx="0">
+              <a:schemeClr val="accent1"/>
+            </a:effectRef>
+            <a:fontRef idx="minor">
+              <a:schemeClr val="lt1"/>
+            </a:fontRef>
+          </p:style>
+          <p:txBody>
+            <a:bodyPr rtlCol="0" anchor="ctr"/>
+            <a:lstStyle/>
+            <a:p>
+              <a:pPr algn="ctr"/>
+              <a:endParaRPr lang="en-US"/>
+            </a:p>
+          </p:txBody>
+        </p:sp>
+        <p:sp>
+          <p:nvSpPr>
+            <p:cNvPr id="41" name="Cube 40">
+              <a:extLst>
+                <a:ext uri="{FF2B5EF4-FFF2-40B4-BE49-F238E27FC236}">
+                  <a16:creationId xmlns:a16="http://schemas.microsoft.com/office/drawing/2014/main" id="{813ED757-9BB9-B441-BBB9-DCDC903C6447}"/>
+                </a:ext>
+              </a:extLst>
+            </p:cNvPr>
+            <p:cNvSpPr/>
+            <p:nvPr/>
+          </p:nvSpPr>
+          <p:spPr>
+            <a:xfrm>
+              <a:off x="5144858" y="4915968"/>
+              <a:ext cx="288610" cy="574197"/>
+            </a:xfrm>
+            <a:prstGeom prst="cube">
+              <a:avLst/>
+            </a:prstGeom>
+            <a:solidFill>
+              <a:schemeClr val="tx1">
+                <a:lumMod val="95000"/>
+                <a:lumOff val="5000"/>
+              </a:schemeClr>
+            </a:solidFill>
+          </p:spPr>
+          <p:style>
+            <a:lnRef idx="2">
+              <a:schemeClr val="accent1">
+                <a:shade val="50000"/>
+              </a:schemeClr>
+            </a:lnRef>
+            <a:fillRef idx="1">
+              <a:schemeClr val="accent1"/>
+            </a:fillRef>
+            <a:effectRef idx="0">
+              <a:schemeClr val="accent1"/>
+            </a:effectRef>
+            <a:fontRef idx="minor">
+              <a:schemeClr val="lt1"/>
+            </a:fontRef>
+          </p:style>
+          <p:txBody>
+            <a:bodyPr rtlCol="0" anchor="ctr"/>
+            <a:lstStyle/>
+            <a:p>
+              <a:pPr algn="ctr"/>
+              <a:endParaRPr lang="en-US"/>
+            </a:p>
+          </p:txBody>
+        </p:sp>
+        <p:pic>
+          <p:nvPicPr>
+            <p:cNvPr id="46" name="Graphic 45" descr="Cloud">
+              <a:extLst>
+                <a:ext uri="{FF2B5EF4-FFF2-40B4-BE49-F238E27FC236}">
+                  <a16:creationId xmlns:a16="http://schemas.microsoft.com/office/drawing/2014/main" id="{A89C522C-CCA6-F14F-89DB-65DE993A0ACF}"/>
+                </a:ext>
+              </a:extLst>
+            </p:cNvPr>
+            <p:cNvPicPr>
+              <a:picLocks noChangeAspect="1"/>
+            </p:cNvPicPr>
+            <p:nvPr/>
+          </p:nvPicPr>
+          <p:blipFill>
+            <a:blip r:embed="rId2">
+              <a:extLst>
+                <a:ext uri="{96DAC541-7B7A-43D3-8B79-37D633B846F1}">
+                  <asvg:svgBlip xmlns:asvg="http://schemas.microsoft.com/office/drawing/2016/SVG/main" r:embed="rId3"/>
+                </a:ext>
+              </a:extLst>
+            </a:blip>
+            <a:stretch>
+              <a:fillRect/>
+            </a:stretch>
+          </p:blipFill>
+          <p:spPr>
+            <a:xfrm>
+              <a:off x="2938766" y="4667225"/>
+              <a:ext cx="1103235" cy="1103235"/>
+            </a:xfrm>
+            <a:prstGeom prst="rect">
+              <a:avLst/>
+            </a:prstGeom>
+          </p:spPr>
+        </p:pic>
+        <p:pic>
+          <p:nvPicPr>
+            <p:cNvPr id="48" name="Graphic 47" descr="Computer">
+              <a:extLst>
+                <a:ext uri="{FF2B5EF4-FFF2-40B4-BE49-F238E27FC236}">
+                  <a16:creationId xmlns:a16="http://schemas.microsoft.com/office/drawing/2014/main" id="{9FB609C7-D429-1B42-BAFC-7CAD1B474779}"/>
+                </a:ext>
+              </a:extLst>
+            </p:cNvPr>
+            <p:cNvPicPr>
+              <a:picLocks noChangeAspect="1"/>
+            </p:cNvPicPr>
+            <p:nvPr/>
+          </p:nvPicPr>
+          <p:blipFill>
+            <a:blip r:embed="rId4">
+              <a:extLst>
+                <a:ext uri="{96DAC541-7B7A-43D3-8B79-37D633B846F1}">
+                  <asvg:svgBlip xmlns:asvg="http://schemas.microsoft.com/office/drawing/2016/SVG/main" r:embed="rId5"/>
+                </a:ext>
+              </a:extLst>
+            </a:blip>
+            <a:stretch>
+              <a:fillRect/>
+            </a:stretch>
+          </p:blipFill>
+          <p:spPr>
+            <a:xfrm>
+              <a:off x="6069943" y="4781657"/>
+              <a:ext cx="795100" cy="795100"/>
+            </a:xfrm>
+            <a:prstGeom prst="rect">
+              <a:avLst/>
+            </a:prstGeom>
+          </p:spPr>
+        </p:pic>
+        <p:sp>
+          <p:nvSpPr>
+            <p:cNvPr id="49" name="Striped Right Arrow 48">
+              <a:extLst>
+                <a:ext uri="{FF2B5EF4-FFF2-40B4-BE49-F238E27FC236}">
+                  <a16:creationId xmlns:a16="http://schemas.microsoft.com/office/drawing/2014/main" id="{CA26D6C1-3146-5A42-B1FD-5EFDC0147DC4}"/>
+                </a:ext>
+              </a:extLst>
+            </p:cNvPr>
+            <p:cNvSpPr/>
+            <p:nvPr/>
+          </p:nvSpPr>
+          <p:spPr>
+            <a:xfrm rot="5400000" flipH="1">
+              <a:off x="4933015" y="3795559"/>
+              <a:ext cx="646331" cy="653842"/>
+            </a:xfrm>
+            <a:prstGeom prst="stripedRightArrow">
+              <a:avLst/>
+            </a:prstGeom>
+            <a:effectLst>
+              <a:outerShdw blurRad="50800" dist="38100" dir="2700000" algn="tl" rotWithShape="0">
+                <a:prstClr val="black">
+                  <a:alpha val="40000"/>
+                </a:prstClr>
+              </a:outerShdw>
+            </a:effectLst>
+          </p:spPr>
+          <p:style>
+            <a:lnRef idx="2">
+              <a:schemeClr val="accent1">
+                <a:shade val="50000"/>
+              </a:schemeClr>
+            </a:lnRef>
+            <a:fillRef idx="1">
+              <a:schemeClr val="accent1"/>
+            </a:fillRef>
+            <a:effectRef idx="0">
+              <a:schemeClr val="accent1"/>
+            </a:effectRef>
+            <a:fontRef idx="minor">
+              <a:schemeClr val="lt1"/>
+            </a:fontRef>
+          </p:style>
+          <p:txBody>
+            <a:bodyPr rtlCol="0" anchor="ctr"/>
+            <a:lstStyle/>
+            <a:p>
+              <a:pPr algn="ctr"/>
+              <a:endParaRPr lang="en-US"/>
+            </a:p>
+          </p:txBody>
+        </p:sp>
+        <p:sp>
+          <p:nvSpPr>
+            <p:cNvPr id="50" name="Rounded Rectangle 49">
+              <a:extLst>
+                <a:ext uri="{FF2B5EF4-FFF2-40B4-BE49-F238E27FC236}">
+                  <a16:creationId xmlns:a16="http://schemas.microsoft.com/office/drawing/2014/main" id="{BA567EA0-7B08-204B-A3A0-15261BC20561}"/>
+                </a:ext>
+              </a:extLst>
+            </p:cNvPr>
+            <p:cNvSpPr/>
+            <p:nvPr/>
+          </p:nvSpPr>
+          <p:spPr>
+            <a:xfrm>
+              <a:off x="513985" y="208817"/>
+              <a:ext cx="8455110" cy="459754"/>
+            </a:xfrm>
+            <a:prstGeom prst="roundRect">
+              <a:avLst/>
+            </a:prstGeom>
+          </p:spPr>
+          <p:style>
+            <a:lnRef idx="1">
+              <a:schemeClr val="accent4"/>
+            </a:lnRef>
+            <a:fillRef idx="2">
+              <a:schemeClr val="accent4"/>
+            </a:fillRef>
+            <a:effectRef idx="1">
+              <a:schemeClr val="accent4"/>
+            </a:effectRef>
+            <a:fontRef idx="minor">
+              <a:schemeClr val="dk1"/>
+            </a:fontRef>
+          </p:style>
+          <p:txBody>
+            <a:bodyPr rtlCol="0" anchor="ctr"/>
+            <a:lstStyle/>
+            <a:p>
+              <a:pPr algn="ctr"/>
+              <a:r>
+                <a:rPr lang="en-US" dirty="0" err="1"/>
+                <a:t>AICov</a:t>
+              </a:r>
+              <a:r>
+                <a:rPr lang="en-US" dirty="0"/>
+                <a:t> Framework</a:t>
+              </a:r>
+            </a:p>
+          </p:txBody>
+        </p:sp>
+        <p:sp>
+          <p:nvSpPr>
+            <p:cNvPr id="51" name="TextBox 50">
+              <a:extLst>
+                <a:ext uri="{FF2B5EF4-FFF2-40B4-BE49-F238E27FC236}">
+                  <a16:creationId xmlns:a16="http://schemas.microsoft.com/office/drawing/2014/main" id="{01B9B972-8B01-BC4E-BF95-C9CC22B5A8C7}"/>
+                </a:ext>
+              </a:extLst>
+            </p:cNvPr>
+            <p:cNvSpPr txBox="1"/>
+            <p:nvPr/>
+          </p:nvSpPr>
+          <p:spPr>
+            <a:xfrm>
+              <a:off x="2214272" y="5490165"/>
+              <a:ext cx="2473641" cy="1200329"/>
+            </a:xfrm>
+            <a:prstGeom prst="rect">
+              <a:avLst/>
+            </a:prstGeom>
+            <a:noFill/>
+          </p:spPr>
+          <p:txBody>
+            <a:bodyPr wrap="square" rtlCol="0">
+              <a:spAutoFit/>
+            </a:bodyPr>
+            <a:lstStyle/>
+            <a:p>
+              <a:pPr algn="ctr"/>
+              <a:r>
+                <a:rPr lang="en-US" dirty="0"/>
+                <a:t>Cloud:</a:t>
+              </a:r>
+            </a:p>
+            <a:p>
+              <a:pPr algn="ctr"/>
+              <a:r>
+                <a:rPr lang="en-US" dirty="0"/>
+                <a:t>AWS,  Azure, </a:t>
+              </a:r>
+            </a:p>
+            <a:p>
+              <a:pPr algn="ctr"/>
+              <a:r>
+                <a:rPr lang="en-US" dirty="0"/>
+                <a:t>Google, OpenStack, </a:t>
+              </a:r>
+            </a:p>
+            <a:p>
+              <a:pPr algn="ctr"/>
+              <a:r>
+                <a:rPr lang="en-US" dirty="0"/>
+                <a:t>Kubernetes, …</a:t>
+              </a:r>
+            </a:p>
+          </p:txBody>
+        </p:sp>
+        <p:sp>
+          <p:nvSpPr>
+            <p:cNvPr id="52" name="TextBox 51">
+              <a:extLst>
+                <a:ext uri="{FF2B5EF4-FFF2-40B4-BE49-F238E27FC236}">
+                  <a16:creationId xmlns:a16="http://schemas.microsoft.com/office/drawing/2014/main" id="{866E3A7F-3331-394A-9260-D4913F0B07BE}"/>
+                </a:ext>
+              </a:extLst>
+            </p:cNvPr>
+            <p:cNvSpPr txBox="1"/>
+            <p:nvPr/>
+          </p:nvSpPr>
+          <p:spPr>
+            <a:xfrm>
+              <a:off x="2040917" y="3678720"/>
+              <a:ext cx="673454" cy="646331"/>
+            </a:xfrm>
+            <a:prstGeom prst="rect">
+              <a:avLst/>
+            </a:prstGeom>
+            <a:noFill/>
+          </p:spPr>
+          <p:txBody>
+            <a:bodyPr wrap="none" rtlCol="0">
+              <a:spAutoFit/>
+            </a:bodyPr>
+            <a:lstStyle/>
+            <a:p>
+              <a:pPr algn="ctr"/>
+              <a:r>
+                <a:rPr lang="en-US" dirty="0"/>
+                <a:t>Data </a:t>
+              </a:r>
+            </a:p>
+            <a:p>
+              <a:pPr algn="ctr"/>
+              <a:r>
+                <a:rPr lang="en-US" dirty="0"/>
+                <a:t>APIs</a:t>
+              </a:r>
+            </a:p>
+          </p:txBody>
+        </p:sp>
+        <p:sp>
+          <p:nvSpPr>
+            <p:cNvPr id="53" name="TextBox 52">
+              <a:extLst>
+                <a:ext uri="{FF2B5EF4-FFF2-40B4-BE49-F238E27FC236}">
+                  <a16:creationId xmlns:a16="http://schemas.microsoft.com/office/drawing/2014/main" id="{25138C87-0FB0-3A46-A565-997160B6860D}"/>
+                </a:ext>
+              </a:extLst>
+            </p:cNvPr>
+            <p:cNvSpPr txBox="1"/>
+            <p:nvPr/>
+          </p:nvSpPr>
+          <p:spPr>
+            <a:xfrm>
+              <a:off x="6700773" y="3678719"/>
+              <a:ext cx="936475" cy="369332"/>
+            </a:xfrm>
+            <a:prstGeom prst="rect">
+              <a:avLst/>
+            </a:prstGeom>
+            <a:noFill/>
+          </p:spPr>
+          <p:txBody>
+            <a:bodyPr wrap="none" rtlCol="0">
+              <a:spAutoFit/>
+            </a:bodyPr>
+            <a:lstStyle/>
+            <a:p>
+              <a:pPr algn="ctr"/>
+              <a:r>
+                <a:rPr lang="en-US" dirty="0"/>
+                <a:t>Models </a:t>
+              </a:r>
+            </a:p>
+          </p:txBody>
+        </p:sp>
+        <p:sp>
+          <p:nvSpPr>
+            <p:cNvPr id="54" name="TextBox 53">
+              <a:extLst>
+                <a:ext uri="{FF2B5EF4-FFF2-40B4-BE49-F238E27FC236}">
+                  <a16:creationId xmlns:a16="http://schemas.microsoft.com/office/drawing/2014/main" id="{4782203F-B5F3-6146-B4A1-114385E06414}"/>
+                </a:ext>
+              </a:extLst>
+            </p:cNvPr>
+            <p:cNvSpPr txBox="1"/>
+            <p:nvPr/>
+          </p:nvSpPr>
+          <p:spPr>
+            <a:xfrm>
+              <a:off x="3870047" y="5546764"/>
+              <a:ext cx="2473641" cy="1477328"/>
+            </a:xfrm>
+            <a:prstGeom prst="rect">
+              <a:avLst/>
+            </a:prstGeom>
+            <a:noFill/>
+          </p:spPr>
+          <p:txBody>
+            <a:bodyPr wrap="square" rtlCol="0">
+              <a:spAutoFit/>
+            </a:bodyPr>
+            <a:lstStyle/>
+            <a:p>
+              <a:pPr algn="ctr"/>
+              <a:r>
+                <a:rPr lang="en-US" dirty="0"/>
+                <a:t>Datacenter/</a:t>
+              </a:r>
+            </a:p>
+            <a:p>
+              <a:pPr algn="ctr"/>
+              <a:r>
+                <a:rPr lang="en-US" dirty="0"/>
+                <a:t>Supercomputer:</a:t>
+              </a:r>
+            </a:p>
+            <a:p>
+              <a:pPr algn="ctr"/>
+              <a:r>
+                <a:rPr lang="en-US" dirty="0"/>
+                <a:t>University, </a:t>
+              </a:r>
+            </a:p>
+            <a:p>
+              <a:pPr algn="ctr"/>
+              <a:r>
+                <a:rPr lang="en-US" dirty="0"/>
+                <a:t>NSF, DOE,</a:t>
+              </a:r>
+            </a:p>
+            <a:p>
+              <a:pPr algn="ctr"/>
+              <a:r>
+                <a:rPr lang="en-US" dirty="0"/>
+                <a:t>Cloud</a:t>
+              </a:r>
+            </a:p>
+          </p:txBody>
+        </p:sp>
+        <p:sp>
+          <p:nvSpPr>
+            <p:cNvPr id="55" name="TextBox 54">
+              <a:extLst>
+                <a:ext uri="{FF2B5EF4-FFF2-40B4-BE49-F238E27FC236}">
+                  <a16:creationId xmlns:a16="http://schemas.microsoft.com/office/drawing/2014/main" id="{5E65770D-A1FA-CA46-91CC-5B1291F9E6F9}"/>
+                </a:ext>
+              </a:extLst>
+            </p:cNvPr>
+            <p:cNvSpPr txBox="1"/>
+            <p:nvPr/>
+          </p:nvSpPr>
+          <p:spPr>
+            <a:xfrm>
+              <a:off x="5230672" y="5542354"/>
+              <a:ext cx="2473641" cy="369332"/>
+            </a:xfrm>
+            <a:prstGeom prst="rect">
+              <a:avLst/>
+            </a:prstGeom>
+            <a:noFill/>
+          </p:spPr>
+          <p:txBody>
+            <a:bodyPr wrap="square" rtlCol="0">
+              <a:spAutoFit/>
+            </a:bodyPr>
+            <a:lstStyle/>
+            <a:p>
+              <a:pPr algn="ctr"/>
+              <a:r>
+                <a:rPr lang="en-US" dirty="0"/>
+                <a:t>AI Desktop</a:t>
+              </a:r>
+            </a:p>
+          </p:txBody>
+        </p:sp>
+        <p:pic>
+          <p:nvPicPr>
+            <p:cNvPr id="58" name="Graphic 57" descr="Users">
+              <a:extLst>
+                <a:ext uri="{FF2B5EF4-FFF2-40B4-BE49-F238E27FC236}">
+                  <a16:creationId xmlns:a16="http://schemas.microsoft.com/office/drawing/2014/main" id="{C25D2A7D-074F-2846-B193-CA1706E0D73C}"/>
+                </a:ext>
+              </a:extLst>
+            </p:cNvPr>
+            <p:cNvPicPr>
+              <a:picLocks noChangeAspect="1"/>
+            </p:cNvPicPr>
+            <p:nvPr/>
+          </p:nvPicPr>
+          <p:blipFill>
+            <a:blip r:embed="rId6">
+              <a:extLst>
+                <a:ext uri="{96DAC541-7B7A-43D3-8B79-37D633B846F1}">
+                  <asvg:svgBlip xmlns:asvg="http://schemas.microsoft.com/office/drawing/2016/SVG/main" r:embed="rId7"/>
+                </a:ext>
+              </a:extLst>
+            </a:blip>
+            <a:stretch>
+              <a:fillRect/>
+            </a:stretch>
+          </p:blipFill>
+          <p:spPr>
+            <a:xfrm>
+              <a:off x="8969095" y="1962057"/>
+              <a:ext cx="914400" cy="914400"/>
+            </a:xfrm>
+            <a:prstGeom prst="rect">
+              <a:avLst/>
+            </a:prstGeom>
+          </p:spPr>
+        </p:pic>
+        <p:sp>
+          <p:nvSpPr>
+            <p:cNvPr id="63" name="Rounded Rectangle 62">
+              <a:extLst>
+                <a:ext uri="{FF2B5EF4-FFF2-40B4-BE49-F238E27FC236}">
+                  <a16:creationId xmlns:a16="http://schemas.microsoft.com/office/drawing/2014/main" id="{99BCB7A2-6B09-1845-AC6F-9429DDB4BE99}"/>
+                </a:ext>
+              </a:extLst>
+            </p:cNvPr>
+            <p:cNvSpPr/>
+            <p:nvPr/>
+          </p:nvSpPr>
+          <p:spPr>
+            <a:xfrm>
+              <a:off x="4004806" y="2546622"/>
+              <a:ext cx="1710807" cy="1051778"/>
+            </a:xfrm>
+            <a:prstGeom prst="roundRect">
+              <a:avLst/>
+            </a:prstGeom>
+            <a:effectLst>
+              <a:outerShdw blurRad="50800" dist="38100" dir="2700000" algn="tl" rotWithShape="0">
+                <a:prstClr val="black">
+                  <a:alpha val="40000"/>
+                </a:prstClr>
+              </a:outerShdw>
+            </a:effectLst>
+          </p:spPr>
+          <p:style>
+            <a:lnRef idx="1">
+              <a:schemeClr val="accent6"/>
+            </a:lnRef>
+            <a:fillRef idx="2">
+              <a:schemeClr val="accent6"/>
+            </a:fillRef>
+            <a:effectRef idx="1">
+              <a:schemeClr val="accent6"/>
+            </a:effectRef>
+            <a:fontRef idx="minor">
+              <a:schemeClr val="dk1"/>
+            </a:fontRef>
+          </p:style>
+          <p:txBody>
+            <a:bodyPr rtlCol="0" anchor="ctr"/>
+            <a:lstStyle/>
+            <a:p>
+              <a:pPr algn="ctr"/>
+              <a:r>
+                <a:rPr lang="en-US" dirty="0" err="1"/>
+                <a:t>AICov</a:t>
+              </a:r>
+              <a:r>
+                <a:rPr lang="en-US" dirty="0"/>
+                <a:t> Forecast</a:t>
+              </a:r>
+            </a:p>
+          </p:txBody>
+        </p:sp>
+        <p:sp>
+          <p:nvSpPr>
+            <p:cNvPr id="66" name="TextBox 65">
+              <a:extLst>
+                <a:ext uri="{FF2B5EF4-FFF2-40B4-BE49-F238E27FC236}">
+                  <a16:creationId xmlns:a16="http://schemas.microsoft.com/office/drawing/2014/main" id="{8412CD79-A1D9-0E4F-B3FA-686589F89B3F}"/>
+                </a:ext>
+              </a:extLst>
+            </p:cNvPr>
+            <p:cNvSpPr txBox="1"/>
+            <p:nvPr/>
+          </p:nvSpPr>
+          <p:spPr>
+            <a:xfrm>
+              <a:off x="8896281" y="2726280"/>
+              <a:ext cx="1060034" cy="1200329"/>
+            </a:xfrm>
+            <a:prstGeom prst="rect">
+              <a:avLst/>
+            </a:prstGeom>
+            <a:noFill/>
+          </p:spPr>
+          <p:txBody>
+            <a:bodyPr wrap="none" rtlCol="0">
+              <a:spAutoFit/>
+            </a:bodyPr>
+            <a:lstStyle/>
+            <a:p>
+              <a:pPr algn="ctr"/>
+              <a:r>
+                <a:rPr lang="en-US" dirty="0"/>
+                <a:t>Data </a:t>
+              </a:r>
+            </a:p>
+            <a:p>
+              <a:pPr algn="ctr"/>
+              <a:r>
+                <a:rPr lang="en-US" dirty="0"/>
+                <a:t>Scientists</a:t>
+              </a:r>
+            </a:p>
+            <a:p>
+              <a:pPr algn="ctr"/>
+              <a:r>
+                <a:rPr lang="en-US" dirty="0"/>
+                <a:t>and</a:t>
+              </a:r>
+            </a:p>
+            <a:p>
+              <a:pPr algn="ctr"/>
+              <a:r>
+                <a:rPr lang="en-US" dirty="0"/>
+                <a:t>Users</a:t>
+              </a:r>
+            </a:p>
+          </p:txBody>
+        </p:sp>
+        <p:sp>
+          <p:nvSpPr>
+            <p:cNvPr id="69" name="Rounded Rectangle 68">
+              <a:extLst>
+                <a:ext uri="{FF2B5EF4-FFF2-40B4-BE49-F238E27FC236}">
+                  <a16:creationId xmlns:a16="http://schemas.microsoft.com/office/drawing/2014/main" id="{12E85975-4C6C-4F4C-B4DB-E62098D7E20B}"/>
+                </a:ext>
+              </a:extLst>
+            </p:cNvPr>
+            <p:cNvSpPr/>
+            <p:nvPr/>
+          </p:nvSpPr>
+          <p:spPr>
+            <a:xfrm rot="16200000">
+              <a:off x="5997626" y="2920846"/>
+              <a:ext cx="4688065" cy="557534"/>
+            </a:xfrm>
+            <a:prstGeom prst="roundRect">
+              <a:avLst/>
+            </a:prstGeom>
+            <a:effectLst>
+              <a:outerShdw blurRad="50800" dist="38100" dir="2700000" algn="tl" rotWithShape="0">
+                <a:prstClr val="black">
+                  <a:alpha val="40000"/>
+                </a:prstClr>
+              </a:outerShdw>
+            </a:effectLst>
+          </p:spPr>
+          <p:style>
+            <a:lnRef idx="1">
+              <a:schemeClr val="accent6"/>
+            </a:lnRef>
+            <a:fillRef idx="2">
+              <a:schemeClr val="accent6"/>
+            </a:fillRef>
+            <a:effectRef idx="1">
+              <a:schemeClr val="accent6"/>
+            </a:effectRef>
+            <a:fontRef idx="minor">
+              <a:schemeClr val="dk1"/>
+            </a:fontRef>
+          </p:style>
+          <p:txBody>
+            <a:bodyPr rtlCol="0" anchor="ctr"/>
+            <a:lstStyle/>
+            <a:p>
+              <a:pPr algn="ctr"/>
+              <a:r>
+                <a:rPr lang="en-US" dirty="0" err="1"/>
+                <a:t>AICov</a:t>
+              </a:r>
+              <a:r>
+                <a:rPr lang="en-US" dirty="0"/>
+                <a:t> Interface</a:t>
+              </a:r>
+            </a:p>
+          </p:txBody>
+        </p:sp>
+        <p:sp>
+          <p:nvSpPr>
+            <p:cNvPr id="37" name="Rounded Rectangle 36">
+              <a:extLst>
+                <a:ext uri="{FF2B5EF4-FFF2-40B4-BE49-F238E27FC236}">
+                  <a16:creationId xmlns:a16="http://schemas.microsoft.com/office/drawing/2014/main" id="{B3B4B845-6AD8-6746-A64F-CDBBEF679475}"/>
+                </a:ext>
+              </a:extLst>
+            </p:cNvPr>
+            <p:cNvSpPr/>
+            <p:nvPr/>
+          </p:nvSpPr>
+          <p:spPr>
+            <a:xfrm>
+              <a:off x="2837044" y="4572421"/>
+              <a:ext cx="4141234" cy="178713"/>
+            </a:xfrm>
+            <a:prstGeom prst="roundRect">
+              <a:avLst/>
+            </a:prstGeom>
+            <a:effectLst>
+              <a:outerShdw blurRad="50800" dist="38100" dir="2700000" algn="tl" rotWithShape="0">
+                <a:prstClr val="black">
+                  <a:alpha val="40000"/>
+                </a:prstClr>
+              </a:outerShdw>
+            </a:effectLst>
+          </p:spPr>
+          <p:style>
+            <a:lnRef idx="1">
+              <a:schemeClr val="accent6"/>
+            </a:lnRef>
+            <a:fillRef idx="2">
+              <a:schemeClr val="accent6"/>
+            </a:fillRef>
+            <a:effectRef idx="1">
+              <a:schemeClr val="accent6"/>
+            </a:effectRef>
+            <a:fontRef idx="minor">
+              <a:schemeClr val="dk1"/>
+            </a:fontRef>
+          </p:style>
+          <p:txBody>
+            <a:bodyPr rtlCol="0" anchor="ctr"/>
+            <a:lstStyle/>
+            <a:p>
+              <a:pPr algn="ctr"/>
+              <a:r>
+                <a:rPr lang="en-US" dirty="0" err="1"/>
+                <a:t>Cloudmesh</a:t>
+              </a:r>
+              <a:r>
+                <a:rPr lang="en-US" dirty="0"/>
+                <a:t> Compute Resource Interfaces</a:t>
+              </a:r>
+            </a:p>
+          </p:txBody>
+        </p:sp>
+        <p:sp>
+          <p:nvSpPr>
+            <p:cNvPr id="42" name="Rounded Rectangle 41">
+              <a:extLst>
+                <a:ext uri="{FF2B5EF4-FFF2-40B4-BE49-F238E27FC236}">
+                  <a16:creationId xmlns:a16="http://schemas.microsoft.com/office/drawing/2014/main" id="{66721AE5-BAE0-7F4C-8E4C-209ECABE9EDB}"/>
+                </a:ext>
+              </a:extLst>
+            </p:cNvPr>
+            <p:cNvSpPr/>
+            <p:nvPr/>
+          </p:nvSpPr>
+          <p:spPr>
+            <a:xfrm>
+              <a:off x="4004806" y="1489088"/>
+              <a:ext cx="1710807" cy="962730"/>
+            </a:xfrm>
+            <a:prstGeom prst="roundRect">
+              <a:avLst/>
+            </a:prstGeom>
+            <a:effectLst>
+              <a:outerShdw blurRad="50800" dist="38100" dir="2700000" algn="tl" rotWithShape="0">
+                <a:prstClr val="black">
+                  <a:alpha val="40000"/>
+                </a:prstClr>
+              </a:outerShdw>
+            </a:effectLst>
+          </p:spPr>
+          <p:style>
+            <a:lnRef idx="1">
+              <a:schemeClr val="accent6"/>
+            </a:lnRef>
+            <a:fillRef idx="2">
+              <a:schemeClr val="accent6"/>
+            </a:fillRef>
+            <a:effectRef idx="1">
+              <a:schemeClr val="accent6"/>
+            </a:effectRef>
+            <a:fontRef idx="minor">
+              <a:schemeClr val="dk1"/>
+            </a:fontRef>
+          </p:style>
+          <p:txBody>
+            <a:bodyPr rtlCol="0" anchor="ctr"/>
+            <a:lstStyle/>
+            <a:p>
+              <a:pPr algn="ctr"/>
+              <a:r>
+                <a:rPr lang="en-US" sz="1600" dirty="0"/>
+                <a:t>Micro Simulation of Synthetic Data</a:t>
+              </a:r>
+            </a:p>
+          </p:txBody>
+        </p:sp>
+      </p:grpSp>
+    </p:spTree>
+    <p:extLst>
+      <p:ext uri="{BB962C8B-B14F-4D97-AF65-F5344CB8AC3E}">
+        <p14:creationId xmlns:p14="http://schemas.microsoft.com/office/powerpoint/2010/main" val="304488820"/>
+      </p:ext>
+    </p:extLst>
+  </p:cSld>
+  <p:clrMapOvr>
+    <a:masterClrMapping/>
+  </p:clrMapOvr>
+</p:sld>
+</file>
+
+<file path=ppt/slides/slide6.xml><?xml version="1.0" encoding="utf-8"?>
+<p:sld xmlns:a="http://schemas.openxmlformats.org/drawingml/2006/main" xmlns:r="http://schemas.openxmlformats.org/officeDocument/2006/relationships" xmlns:p="http://schemas.openxmlformats.org/presentationml/2006/main">
+  <p:cSld>
+    <p:spTree>
+      <p:nvGrpSpPr>
+        <p:cNvPr id="1" name=""/>
+        <p:cNvGrpSpPr/>
+        <p:nvPr/>
+      </p:nvGrpSpPr>
+      <p:grpSpPr>
+        <a:xfrm>
+          <a:off x="0" y="0"/>
+          <a:ext cx="0" cy="0"/>
+          <a:chOff x="0" y="0"/>
+          <a:chExt cx="0" cy="0"/>
+        </a:xfrm>
+      </p:grpSpPr>
+      <p:sp>
+        <p:nvSpPr>
+          <p:cNvPr id="2" name="Rounded Rectangle 1">
+            <a:extLst>
+              <a:ext uri="{FF2B5EF4-FFF2-40B4-BE49-F238E27FC236}">
+                <a16:creationId xmlns:a16="http://schemas.microsoft.com/office/drawing/2014/main" id="{7657CBE7-5EB2-7541-82E4-D25BD880A09E}"/>
+              </a:ext>
+            </a:extLst>
+          </p:cNvPr>
+          <p:cNvSpPr/>
+          <p:nvPr/>
+        </p:nvSpPr>
+        <p:spPr>
+          <a:xfrm>
+            <a:off x="2075152" y="1334858"/>
+            <a:ext cx="7260213" cy="4386903"/>
+          </a:xfrm>
+          <a:prstGeom prst="roundRect">
+            <a:avLst/>
+          </a:prstGeom>
+          <a:ln w="38100"/>
+          <a:effectLst>
+            <a:outerShdw blurRad="50800" dist="38100" dir="2700000" algn="tl" rotWithShape="0">
+              <a:prstClr val="black">
+                <a:alpha val="40000"/>
+              </a:prstClr>
+            </a:outerShdw>
+          </a:effectLst>
+        </p:spPr>
+        <p:style>
+          <a:lnRef idx="2">
+            <a:schemeClr val="dk1"/>
+          </a:lnRef>
+          <a:fillRef idx="1">
+            <a:schemeClr val="lt1"/>
+          </a:fillRef>
+          <a:effectRef idx="0">
+            <a:schemeClr val="dk1"/>
+          </a:effectRef>
+          <a:fontRef idx="minor">
+            <a:schemeClr val="dk1"/>
+          </a:fontRef>
+        </p:style>
+        <p:txBody>
+          <a:bodyPr rtlCol="0" anchor="ctr"/>
+          <a:lstStyle/>
+          <a:p>
+            <a:pPr algn="ctr"/>
+            <a:endParaRPr lang="en-US" sz="3200"/>
+          </a:p>
+        </p:txBody>
+      </p:sp>
+      <p:sp>
+        <p:nvSpPr>
+          <p:cNvPr id="3" name="Oval 2">
+            <a:extLst>
+              <a:ext uri="{FF2B5EF4-FFF2-40B4-BE49-F238E27FC236}">
+                <a16:creationId xmlns:a16="http://schemas.microsoft.com/office/drawing/2014/main" id="{4CA7913B-A38A-2D4E-B685-71EACAF449BA}"/>
+              </a:ext>
+            </a:extLst>
+          </p:cNvPr>
+          <p:cNvSpPr/>
+          <p:nvPr/>
+        </p:nvSpPr>
+        <p:spPr>
+          <a:xfrm>
+            <a:off x="2590252" y="1652138"/>
+            <a:ext cx="623455" cy="623455"/>
+          </a:xfrm>
+          <a:prstGeom prst="ellipse">
+            <a:avLst/>
+          </a:prstGeom>
+          <a:solidFill>
+            <a:schemeClr val="bg1">
+              <a:lumMod val="85000"/>
+            </a:schemeClr>
+          </a:solidFill>
+          <a:ln>
+            <a:solidFill>
+              <a:schemeClr val="tx1"/>
+            </a:solidFill>
+          </a:ln>
+          <a:effectLst>
+            <a:outerShdw blurRad="50800" dist="38100" dir="2700000" algn="tl" rotWithShape="0">
+              <a:prstClr val="black">
+                <a:alpha val="40000"/>
+              </a:prstClr>
+            </a:outerShdw>
+          </a:effectLst>
+        </p:spPr>
+        <p:style>
+          <a:lnRef idx="1">
+            <a:schemeClr val="accent2"/>
+          </a:lnRef>
+          <a:fillRef idx="2">
+            <a:schemeClr val="accent2"/>
+          </a:fillRef>
+          <a:effectRef idx="1">
+            <a:schemeClr val="accent2"/>
+          </a:effectRef>
+          <a:fontRef idx="minor">
+            <a:schemeClr val="dk1"/>
+          </a:fontRef>
+        </p:style>
+        <p:txBody>
+          <a:bodyPr rtlCol="0" anchor="ctr"/>
+          <a:lstStyle/>
+          <a:p>
+            <a:pPr algn="ctr"/>
+            <a:r>
+              <a:rPr lang="en-US" sz="3200" dirty="0"/>
+              <a:t>x</a:t>
+            </a:r>
+          </a:p>
+        </p:txBody>
+      </p:sp>
+      <p:sp>
+        <p:nvSpPr>
+          <p:cNvPr id="4" name="Oval 3">
+            <a:extLst>
+              <a:ext uri="{FF2B5EF4-FFF2-40B4-BE49-F238E27FC236}">
+                <a16:creationId xmlns:a16="http://schemas.microsoft.com/office/drawing/2014/main" id="{84A80CA1-7AC1-A743-9761-CDBAE4CC3706}"/>
+              </a:ext>
+            </a:extLst>
+          </p:cNvPr>
+          <p:cNvSpPr/>
+          <p:nvPr/>
+        </p:nvSpPr>
+        <p:spPr>
+          <a:xfrm>
+            <a:off x="4821765" y="1650097"/>
+            <a:ext cx="623455" cy="623455"/>
+          </a:xfrm>
+          <a:prstGeom prst="ellipse">
+            <a:avLst/>
+          </a:prstGeom>
+          <a:solidFill>
+            <a:schemeClr val="bg1">
+              <a:lumMod val="85000"/>
+            </a:schemeClr>
+          </a:solidFill>
+          <a:ln>
+            <a:solidFill>
+              <a:schemeClr val="tx1"/>
+            </a:solidFill>
+          </a:ln>
+          <a:effectLst>
+            <a:outerShdw blurRad="50800" dist="38100" dir="2700000" algn="tl" rotWithShape="0">
+              <a:prstClr val="black">
+                <a:alpha val="40000"/>
+              </a:prstClr>
+            </a:outerShdw>
+          </a:effectLst>
+        </p:spPr>
+        <p:style>
+          <a:lnRef idx="1">
+            <a:schemeClr val="accent2"/>
+          </a:lnRef>
+          <a:fillRef idx="2">
+            <a:schemeClr val="accent2"/>
+          </a:fillRef>
+          <a:effectRef idx="1">
+            <a:schemeClr val="accent2"/>
+          </a:effectRef>
+          <a:fontRef idx="minor">
+            <a:schemeClr val="dk1"/>
+          </a:fontRef>
+        </p:style>
+        <p:txBody>
+          <a:bodyPr rtlCol="0" anchor="ctr"/>
+          <a:lstStyle/>
+          <a:p>
+            <a:pPr algn="ctr"/>
+            <a:r>
+              <a:rPr lang="en-US" sz="3200" dirty="0"/>
+              <a:t>+</a:t>
+            </a:r>
+          </a:p>
+        </p:txBody>
+      </p:sp>
+      <p:sp>
+        <p:nvSpPr>
+          <p:cNvPr id="5" name="Oval 4">
+            <a:extLst>
+              <a:ext uri="{FF2B5EF4-FFF2-40B4-BE49-F238E27FC236}">
+                <a16:creationId xmlns:a16="http://schemas.microsoft.com/office/drawing/2014/main" id="{7E710732-2151-A847-A475-D02F116C4183}"/>
+              </a:ext>
+            </a:extLst>
+          </p:cNvPr>
+          <p:cNvSpPr/>
+          <p:nvPr/>
+        </p:nvSpPr>
+        <p:spPr>
+          <a:xfrm>
+            <a:off x="4827557" y="2979048"/>
+            <a:ext cx="623455" cy="623455"/>
+          </a:xfrm>
+          <a:prstGeom prst="ellipse">
+            <a:avLst/>
+          </a:prstGeom>
+          <a:solidFill>
+            <a:schemeClr val="bg1">
+              <a:lumMod val="85000"/>
+            </a:schemeClr>
+          </a:solidFill>
+          <a:ln>
+            <a:solidFill>
+              <a:schemeClr val="tx1"/>
+            </a:solidFill>
+          </a:ln>
+          <a:effectLst>
+            <a:outerShdw blurRad="50800" dist="38100" dir="2700000" algn="tl" rotWithShape="0">
+              <a:prstClr val="black">
+                <a:alpha val="40000"/>
+              </a:prstClr>
+            </a:outerShdw>
+          </a:effectLst>
+        </p:spPr>
+        <p:style>
+          <a:lnRef idx="1">
+            <a:schemeClr val="accent2"/>
+          </a:lnRef>
+          <a:fillRef idx="2">
+            <a:schemeClr val="accent2"/>
+          </a:fillRef>
+          <a:effectRef idx="1">
+            <a:schemeClr val="accent2"/>
+          </a:effectRef>
+          <a:fontRef idx="minor">
+            <a:schemeClr val="dk1"/>
+          </a:fontRef>
+        </p:style>
+        <p:txBody>
+          <a:bodyPr rtlCol="0" anchor="ctr"/>
+          <a:lstStyle/>
+          <a:p>
+            <a:pPr algn="ctr"/>
+            <a:r>
+              <a:rPr lang="en-US" sz="3200" dirty="0"/>
+              <a:t>x</a:t>
+            </a:r>
+          </a:p>
+        </p:txBody>
+      </p:sp>
+      <p:sp>
+        <p:nvSpPr>
+          <p:cNvPr id="6" name="Oval 5">
+            <a:extLst>
+              <a:ext uri="{FF2B5EF4-FFF2-40B4-BE49-F238E27FC236}">
+                <a16:creationId xmlns:a16="http://schemas.microsoft.com/office/drawing/2014/main" id="{03252E82-E867-694A-848A-1292879C8887}"/>
+              </a:ext>
+            </a:extLst>
+          </p:cNvPr>
+          <p:cNvSpPr/>
+          <p:nvPr/>
+        </p:nvSpPr>
+        <p:spPr>
+          <a:xfrm>
+            <a:off x="6938851" y="3299670"/>
+            <a:ext cx="623455" cy="623455"/>
+          </a:xfrm>
+          <a:prstGeom prst="ellipse">
+            <a:avLst/>
+          </a:prstGeom>
+          <a:solidFill>
+            <a:schemeClr val="bg1">
+              <a:lumMod val="85000"/>
+            </a:schemeClr>
+          </a:solidFill>
+          <a:ln>
+            <a:solidFill>
+              <a:schemeClr val="tx1"/>
+            </a:solidFill>
+          </a:ln>
+          <a:effectLst>
+            <a:outerShdw blurRad="50800" dist="38100" dir="2700000" algn="tl" rotWithShape="0">
+              <a:prstClr val="black">
+                <a:alpha val="40000"/>
+              </a:prstClr>
+            </a:outerShdw>
+          </a:effectLst>
+        </p:spPr>
+        <p:style>
+          <a:lnRef idx="1">
+            <a:schemeClr val="accent2"/>
+          </a:lnRef>
+          <a:fillRef idx="2">
+            <a:schemeClr val="accent2"/>
+          </a:fillRef>
+          <a:effectRef idx="1">
+            <a:schemeClr val="accent2"/>
+          </a:effectRef>
+          <a:fontRef idx="minor">
+            <a:schemeClr val="dk1"/>
+          </a:fontRef>
+        </p:style>
+        <p:txBody>
+          <a:bodyPr rtlCol="0" anchor="ctr"/>
+          <a:lstStyle/>
+          <a:p>
+            <a:pPr algn="ctr"/>
+            <a:r>
+              <a:rPr lang="en-US" sz="3200" dirty="0"/>
+              <a:t>x</a:t>
+            </a:r>
+          </a:p>
+        </p:txBody>
+      </p:sp>
+      <p:cxnSp>
+        <p:nvCxnSpPr>
+          <p:cNvPr id="8" name="Elbow Connector 7">
+            <a:extLst>
+              <a:ext uri="{FF2B5EF4-FFF2-40B4-BE49-F238E27FC236}">
+                <a16:creationId xmlns:a16="http://schemas.microsoft.com/office/drawing/2014/main" id="{4928A126-F5F3-8048-851D-6B24E4F87889}"/>
+              </a:ext>
+            </a:extLst>
+          </p:cNvPr>
+          <p:cNvCxnSpPr>
+            <a:cxnSpLocks/>
+            <a:stCxn id="14" idx="0"/>
+            <a:endCxn id="3" idx="4"/>
+          </p:cNvCxnSpPr>
+          <p:nvPr/>
+        </p:nvCxnSpPr>
+        <p:spPr>
+          <a:xfrm rot="16200000" flipV="1">
+            <a:off x="1887685" y="3289888"/>
+            <a:ext cx="2030368" cy="1777"/>
+          </a:xfrm>
+          <a:prstGeom prst="bentConnector3">
+            <a:avLst>
+              <a:gd name="adj1" fmla="val 50000"/>
+            </a:avLst>
+          </a:prstGeom>
+          <a:ln w="66675">
+            <a:tailEnd type="triangle"/>
+          </a:ln>
+        </p:spPr>
+        <p:style>
+          <a:lnRef idx="1">
+            <a:schemeClr val="accent1"/>
+          </a:lnRef>
+          <a:fillRef idx="0">
+            <a:schemeClr val="accent1"/>
+          </a:fillRef>
+          <a:effectRef idx="0">
+            <a:schemeClr val="accent1"/>
+          </a:effectRef>
+          <a:fontRef idx="minor">
+            <a:schemeClr val="tx1"/>
+          </a:fontRef>
+        </p:style>
+      </p:cxnSp>
+      <p:cxnSp>
+        <p:nvCxnSpPr>
+          <p:cNvPr id="9" name="Elbow Connector 8">
+            <a:extLst>
+              <a:ext uri="{FF2B5EF4-FFF2-40B4-BE49-F238E27FC236}">
+                <a16:creationId xmlns:a16="http://schemas.microsoft.com/office/drawing/2014/main" id="{BDC674AE-9988-6540-B2C9-22DB36732055}"/>
+              </a:ext>
+            </a:extLst>
+          </p:cNvPr>
+          <p:cNvCxnSpPr>
+            <a:cxnSpLocks/>
+            <a:endCxn id="16" idx="2"/>
+          </p:cNvCxnSpPr>
+          <p:nvPr/>
+        </p:nvCxnSpPr>
+        <p:spPr>
+          <a:xfrm flipV="1">
+            <a:off x="844981" y="4871103"/>
+            <a:ext cx="5403328" cy="429174"/>
+          </a:xfrm>
+          <a:prstGeom prst="bentConnector2">
+            <a:avLst/>
+          </a:prstGeom>
+          <a:ln w="66675">
+            <a:tailEnd type="triangle"/>
+          </a:ln>
+        </p:spPr>
+        <p:style>
+          <a:lnRef idx="1">
+            <a:schemeClr val="accent1"/>
+          </a:lnRef>
+          <a:fillRef idx="0">
+            <a:schemeClr val="accent1"/>
+          </a:fillRef>
+          <a:effectRef idx="0">
+            <a:schemeClr val="accent1"/>
+          </a:effectRef>
+          <a:fontRef idx="minor">
+            <a:schemeClr val="tx1"/>
+          </a:fontRef>
+        </p:style>
+      </p:cxnSp>
+      <mc:AlternateContent xmlns:mc="http://schemas.openxmlformats.org/markup-compatibility/2006">
+        <mc:Choice xmlns:a14="http://schemas.microsoft.com/office/drawing/2010/main" Requires="a14">
+          <p:sp>
+            <p:nvSpPr>
+              <p:cNvPr id="14" name="Rectangle 13">
+                <a:extLst>
+                  <a:ext uri="{FF2B5EF4-FFF2-40B4-BE49-F238E27FC236}">
+                    <a16:creationId xmlns:a16="http://schemas.microsoft.com/office/drawing/2014/main" id="{770EB3A7-B5A5-DA4C-9DE4-3152E2CE0452}"/>
+                  </a:ext>
+                </a:extLst>
+              </p:cNvPr>
+              <p:cNvSpPr/>
+              <p:nvPr/>
+            </p:nvSpPr>
+            <p:spPr>
+              <a:xfrm>
+                <a:off x="2400941" y="4305961"/>
+                <a:ext cx="1005632" cy="552410"/>
+              </a:xfrm>
+              <a:prstGeom prst="rect">
+                <a:avLst/>
+              </a:prstGeom>
+              <a:solidFill>
+                <a:schemeClr val="tx1">
+                  <a:lumMod val="50000"/>
+                  <a:lumOff val="50000"/>
+                </a:schemeClr>
+              </a:solidFill>
+              <a:effectLst>
+                <a:outerShdw blurRad="50800" dist="38100" dir="2700000" algn="tl" rotWithShape="0">
+                  <a:prstClr val="black">
+                    <a:alpha val="40000"/>
+                  </a:prstClr>
+                </a:outerShdw>
+              </a:effectLst>
+            </p:spPr>
+            <p:style>
+              <a:lnRef idx="2">
+                <a:schemeClr val="accent1">
+                  <a:shade val="50000"/>
+                </a:schemeClr>
+              </a:lnRef>
+              <a:fillRef idx="1">
+                <a:schemeClr val="accent1"/>
+              </a:fillRef>
+              <a:effectRef idx="0">
+                <a:schemeClr val="accent1"/>
+              </a:effectRef>
+              <a:fontRef idx="minor">
+                <a:schemeClr val="lt1"/>
+              </a:fontRef>
+            </p:style>
+            <p:txBody>
+              <a:bodyPr rtlCol="0" anchor="ctr"/>
+              <a:lstStyle/>
+              <a:p>
+                <a:pPr algn="ctr"/>
+                <a14:m>
+                  <m:oMath xmlns:m="http://schemas.openxmlformats.org/officeDocument/2006/math">
+                    <m:r>
+                      <a:rPr lang="en-US" sz="3200" b="0" i="1" smtClean="0">
+                        <a:latin typeface="Cambria Math" panose="02040503050406030204" pitchFamily="18" charset="0"/>
+                        <a:ea typeface="Cambria Math" panose="02040503050406030204" pitchFamily="18" charset="0"/>
+                      </a:rPr>
+                      <m:t> </m:t>
+                    </m:r>
+                    <m:r>
+                      <a:rPr lang="en-US" sz="3200" i="1" smtClean="0">
+                        <a:latin typeface="Cambria Math" panose="02040503050406030204" pitchFamily="18" charset="0"/>
+                        <a:ea typeface="Cambria Math" panose="02040503050406030204" pitchFamily="18" charset="0"/>
+                      </a:rPr>
+                      <m:t>𝜎</m:t>
+                    </m:r>
+                  </m:oMath>
+                </a14:m>
+                <a:r>
+                  <a:rPr lang="en-US" sz="3200" baseline="-25000" dirty="0"/>
+                  <a:t>g</a:t>
+                </a:r>
+                <a:endParaRPr lang="en-US" sz="3200" dirty="0"/>
+              </a:p>
+            </p:txBody>
+          </p:sp>
+        </mc:Choice>
+        <mc:Fallback>
+          <p:sp>
+            <p:nvSpPr>
+              <p:cNvPr id="14" name="Rectangle 13">
+                <a:extLst>
+                  <a:ext uri="{FF2B5EF4-FFF2-40B4-BE49-F238E27FC236}">
+                    <a16:creationId xmlns:a16="http://schemas.microsoft.com/office/drawing/2014/main" id="{770EB3A7-B5A5-DA4C-9DE4-3152E2CE0452}"/>
+                  </a:ext>
+                </a:extLst>
+              </p:cNvPr>
+              <p:cNvSpPr>
+                <a:spLocks noRot="1" noChangeAspect="1" noMove="1" noResize="1" noEditPoints="1" noAdjustHandles="1" noChangeArrowheads="1" noChangeShapeType="1" noTextEdit="1"/>
+              </p:cNvSpPr>
+              <p:nvPr/>
+            </p:nvSpPr>
+            <p:spPr>
+              <a:xfrm>
+                <a:off x="2400941" y="4305961"/>
+                <a:ext cx="1005632" cy="552410"/>
+              </a:xfrm>
+              <a:prstGeom prst="rect">
+                <a:avLst/>
+              </a:prstGeom>
+              <a:blipFill>
+                <a:blip r:embed="rId2"/>
+                <a:stretch>
+                  <a:fillRect/>
+                </a:stretch>
+              </a:blipFill>
+              <a:effectLst>
+                <a:outerShdw blurRad="50800" dist="38100" dir="2700000" algn="tl" rotWithShape="0">
+                  <a:prstClr val="black">
+                    <a:alpha val="40000"/>
+                  </a:prstClr>
+                </a:outerShdw>
+              </a:effectLst>
+            </p:spPr>
+            <p:txBody>
+              <a:bodyPr/>
+              <a:lstStyle/>
+              <a:p>
+                <a:r>
+                  <a:rPr lang="en-US">
+                    <a:noFill/>
+                  </a:rPr>
+                  <a:t> </a:t>
+                </a:r>
+              </a:p>
+            </p:txBody>
+          </p:sp>
+        </mc:Fallback>
+      </mc:AlternateContent>
+      <mc:AlternateContent xmlns:mc="http://schemas.openxmlformats.org/markup-compatibility/2006">
+        <mc:Choice xmlns:a14="http://schemas.microsoft.com/office/drawing/2010/main" Requires="a14">
+          <p:sp>
+            <p:nvSpPr>
+              <p:cNvPr id="15" name="Rectangle 14">
+                <a:extLst>
+                  <a:ext uri="{FF2B5EF4-FFF2-40B4-BE49-F238E27FC236}">
+                    <a16:creationId xmlns:a16="http://schemas.microsoft.com/office/drawing/2014/main" id="{3918B1AE-7120-F74A-8026-A2040B9C1DD9}"/>
+                  </a:ext>
+                </a:extLst>
+              </p:cNvPr>
+              <p:cNvSpPr/>
+              <p:nvPr/>
+            </p:nvSpPr>
+            <p:spPr>
+              <a:xfrm>
+                <a:off x="3528159" y="4313528"/>
+                <a:ext cx="1005632" cy="552410"/>
+              </a:xfrm>
+              <a:prstGeom prst="rect">
+                <a:avLst/>
+              </a:prstGeom>
+              <a:solidFill>
+                <a:schemeClr val="tx1">
+                  <a:lumMod val="50000"/>
+                  <a:lumOff val="50000"/>
+                </a:schemeClr>
+              </a:solidFill>
+              <a:effectLst>
+                <a:outerShdw blurRad="50800" dist="38100" dir="2700000" algn="tl" rotWithShape="0">
+                  <a:prstClr val="black">
+                    <a:alpha val="40000"/>
+                  </a:prstClr>
+                </a:outerShdw>
+              </a:effectLst>
+            </p:spPr>
+            <p:style>
+              <a:lnRef idx="2">
+                <a:schemeClr val="accent1">
+                  <a:shade val="50000"/>
+                </a:schemeClr>
+              </a:lnRef>
+              <a:fillRef idx="1">
+                <a:schemeClr val="accent1"/>
+              </a:fillRef>
+              <a:effectRef idx="0">
+                <a:schemeClr val="accent1"/>
+              </a:effectRef>
+              <a:fontRef idx="minor">
+                <a:schemeClr val="lt1"/>
+              </a:fontRef>
+            </p:style>
+            <p:txBody>
+              <a:bodyPr rtlCol="0" anchor="ctr"/>
+              <a:lstStyle/>
+              <a:p>
+                <a:pPr algn="ctr"/>
+                <a14:m>
+                  <m:oMathPara xmlns:m="http://schemas.openxmlformats.org/officeDocument/2006/math">
+                    <m:oMathParaPr>
+                      <m:jc m:val="centerGroup"/>
+                    </m:oMathParaPr>
+                    <m:oMath xmlns:m="http://schemas.openxmlformats.org/officeDocument/2006/math">
+                      <m:r>
+                        <a:rPr lang="en-US" sz="3200" i="1">
+                          <a:latin typeface="Cambria Math" panose="02040503050406030204" pitchFamily="18" charset="0"/>
+                          <a:ea typeface="Cambria Math" panose="02040503050406030204" pitchFamily="18" charset="0"/>
+                        </a:rPr>
+                        <m:t>𝜎</m:t>
+                      </m:r>
+                      <m:r>
+                        <m:rPr>
+                          <m:nor/>
+                        </m:rPr>
+                        <a:rPr lang="en-US" sz="3200" baseline="-25000" dirty="0"/>
+                        <m:t>g</m:t>
+                      </m:r>
+                    </m:oMath>
+                  </m:oMathPara>
+                </a14:m>
+                <a:endParaRPr lang="en-US" sz="3200" dirty="0"/>
+              </a:p>
+            </p:txBody>
+          </p:sp>
+        </mc:Choice>
+        <mc:Fallback>
+          <p:sp>
+            <p:nvSpPr>
+              <p:cNvPr id="15" name="Rectangle 14">
+                <a:extLst>
+                  <a:ext uri="{FF2B5EF4-FFF2-40B4-BE49-F238E27FC236}">
+                    <a16:creationId xmlns:a16="http://schemas.microsoft.com/office/drawing/2014/main" id="{3918B1AE-7120-F74A-8026-A2040B9C1DD9}"/>
+                  </a:ext>
+                </a:extLst>
+              </p:cNvPr>
+              <p:cNvSpPr>
+                <a:spLocks noRot="1" noChangeAspect="1" noMove="1" noResize="1" noEditPoints="1" noAdjustHandles="1" noChangeArrowheads="1" noChangeShapeType="1" noTextEdit="1"/>
+              </p:cNvSpPr>
+              <p:nvPr/>
+            </p:nvSpPr>
+            <p:spPr>
+              <a:xfrm>
+                <a:off x="3528159" y="4313528"/>
+                <a:ext cx="1005632" cy="552410"/>
+              </a:xfrm>
+              <a:prstGeom prst="rect">
+                <a:avLst/>
+              </a:prstGeom>
+              <a:blipFill>
+                <a:blip r:embed="rId3"/>
+                <a:stretch>
+                  <a:fillRect/>
+                </a:stretch>
+              </a:blipFill>
+              <a:effectLst>
+                <a:outerShdw blurRad="50800" dist="38100" dir="2700000" algn="tl" rotWithShape="0">
+                  <a:prstClr val="black">
+                    <a:alpha val="40000"/>
+                  </a:prstClr>
+                </a:outerShdw>
+              </a:effectLst>
+            </p:spPr>
+            <p:txBody>
+              <a:bodyPr/>
+              <a:lstStyle/>
+              <a:p>
+                <a:r>
+                  <a:rPr lang="en-US">
+                    <a:noFill/>
+                  </a:rPr>
+                  <a:t> </a:t>
+                </a:r>
+              </a:p>
+            </p:txBody>
+          </p:sp>
+        </mc:Fallback>
+      </mc:AlternateContent>
+      <mc:AlternateContent xmlns:mc="http://schemas.openxmlformats.org/markup-compatibility/2006">
+        <mc:Choice xmlns:a14="http://schemas.microsoft.com/office/drawing/2010/main" Requires="a14">
+          <p:sp>
+            <p:nvSpPr>
+              <p:cNvPr id="16" name="Rectangle 15">
+                <a:extLst>
+                  <a:ext uri="{FF2B5EF4-FFF2-40B4-BE49-F238E27FC236}">
+                    <a16:creationId xmlns:a16="http://schemas.microsoft.com/office/drawing/2014/main" id="{521A1690-4A69-2845-ACA7-C7DD3BC1F8D5}"/>
+                  </a:ext>
+                </a:extLst>
+              </p:cNvPr>
+              <p:cNvSpPr/>
+              <p:nvPr/>
+            </p:nvSpPr>
+            <p:spPr>
+              <a:xfrm>
+                <a:off x="5745493" y="4318693"/>
+                <a:ext cx="1005632" cy="552410"/>
+              </a:xfrm>
+              <a:prstGeom prst="rect">
+                <a:avLst/>
+              </a:prstGeom>
+              <a:solidFill>
+                <a:schemeClr val="tx1">
+                  <a:lumMod val="50000"/>
+                  <a:lumOff val="50000"/>
+                </a:schemeClr>
+              </a:solidFill>
+              <a:effectLst>
+                <a:outerShdw blurRad="50800" dist="38100" dir="2700000" algn="tl" rotWithShape="0">
+                  <a:prstClr val="black">
+                    <a:alpha val="40000"/>
+                  </a:prstClr>
+                </a:outerShdw>
+              </a:effectLst>
+            </p:spPr>
+            <p:style>
+              <a:lnRef idx="2">
+                <a:schemeClr val="accent1">
+                  <a:shade val="50000"/>
+                </a:schemeClr>
+              </a:lnRef>
+              <a:fillRef idx="1">
+                <a:schemeClr val="accent1"/>
+              </a:fillRef>
+              <a:effectRef idx="0">
+                <a:schemeClr val="accent1"/>
+              </a:effectRef>
+              <a:fontRef idx="minor">
+                <a:schemeClr val="lt1"/>
+              </a:fontRef>
+            </p:style>
+            <p:txBody>
+              <a:bodyPr rtlCol="0" anchor="ctr"/>
+              <a:lstStyle/>
+              <a:p>
+                <a:pPr algn="ctr"/>
+                <a14:m>
+                  <m:oMathPara xmlns:m="http://schemas.openxmlformats.org/officeDocument/2006/math">
+                    <m:oMathParaPr>
+                      <m:jc m:val="centerGroup"/>
+                    </m:oMathParaPr>
+                    <m:oMath xmlns:m="http://schemas.openxmlformats.org/officeDocument/2006/math">
+                      <m:r>
+                        <a:rPr lang="en-US" sz="3200" i="1">
+                          <a:latin typeface="Cambria Math" panose="02040503050406030204" pitchFamily="18" charset="0"/>
+                          <a:ea typeface="Cambria Math" panose="02040503050406030204" pitchFamily="18" charset="0"/>
+                        </a:rPr>
+                        <m:t>𝜎</m:t>
+                      </m:r>
+                      <m:r>
+                        <m:rPr>
+                          <m:nor/>
+                        </m:rPr>
+                        <a:rPr lang="en-US" sz="3200" baseline="-25000" dirty="0"/>
+                        <m:t>g</m:t>
+                      </m:r>
+                    </m:oMath>
+                  </m:oMathPara>
+                </a14:m>
+                <a:endParaRPr lang="en-US" sz="3200" dirty="0"/>
+              </a:p>
+            </p:txBody>
+          </p:sp>
+        </mc:Choice>
+        <mc:Fallback>
+          <p:sp>
+            <p:nvSpPr>
+              <p:cNvPr id="16" name="Rectangle 15">
+                <a:extLst>
+                  <a:ext uri="{FF2B5EF4-FFF2-40B4-BE49-F238E27FC236}">
+                    <a16:creationId xmlns:a16="http://schemas.microsoft.com/office/drawing/2014/main" id="{521A1690-4A69-2845-ACA7-C7DD3BC1F8D5}"/>
+                  </a:ext>
+                </a:extLst>
+              </p:cNvPr>
+              <p:cNvSpPr>
+                <a:spLocks noRot="1" noChangeAspect="1" noMove="1" noResize="1" noEditPoints="1" noAdjustHandles="1" noChangeArrowheads="1" noChangeShapeType="1" noTextEdit="1"/>
+              </p:cNvSpPr>
+              <p:nvPr/>
+            </p:nvSpPr>
+            <p:spPr>
+              <a:xfrm>
+                <a:off x="5745493" y="4318693"/>
+                <a:ext cx="1005632" cy="552410"/>
+              </a:xfrm>
+              <a:prstGeom prst="rect">
+                <a:avLst/>
+              </a:prstGeom>
+              <a:blipFill>
+                <a:blip r:embed="rId4"/>
+                <a:stretch>
+                  <a:fillRect/>
+                </a:stretch>
+              </a:blipFill>
+              <a:effectLst>
+                <a:outerShdw blurRad="50800" dist="38100" dir="2700000" algn="tl" rotWithShape="0">
+                  <a:prstClr val="black">
+                    <a:alpha val="40000"/>
+                  </a:prstClr>
+                </a:outerShdw>
+              </a:effectLst>
+            </p:spPr>
+            <p:txBody>
+              <a:bodyPr/>
+              <a:lstStyle/>
+              <a:p>
+                <a:r>
+                  <a:rPr lang="en-US">
+                    <a:noFill/>
+                  </a:rPr>
+                  <a:t> </a:t>
+                </a:r>
+              </a:p>
+            </p:txBody>
+          </p:sp>
+        </mc:Fallback>
+      </mc:AlternateContent>
+      <mc:AlternateContent xmlns:mc="http://schemas.openxmlformats.org/markup-compatibility/2006">
+        <mc:Choice xmlns:a14="http://schemas.microsoft.com/office/drawing/2010/main" Requires="a14">
+          <p:sp>
+            <p:nvSpPr>
+              <p:cNvPr id="17" name="Rectangle 16">
+                <a:extLst>
+                  <a:ext uri="{FF2B5EF4-FFF2-40B4-BE49-F238E27FC236}">
+                    <a16:creationId xmlns:a16="http://schemas.microsoft.com/office/drawing/2014/main" id="{B4B2D76B-989F-E74F-8E73-59051B113560}"/>
+                  </a:ext>
+                </a:extLst>
+              </p:cNvPr>
+              <p:cNvSpPr/>
+              <p:nvPr/>
+            </p:nvSpPr>
+            <p:spPr>
+              <a:xfrm>
+                <a:off x="4632875" y="4305961"/>
+                <a:ext cx="1005632" cy="552410"/>
+              </a:xfrm>
+              <a:prstGeom prst="rect">
+                <a:avLst/>
+              </a:prstGeom>
+              <a:solidFill>
+                <a:schemeClr val="tx1">
+                  <a:lumMod val="50000"/>
+                  <a:lumOff val="50000"/>
+                </a:schemeClr>
+              </a:solidFill>
+              <a:effectLst>
+                <a:outerShdw blurRad="50800" dist="38100" dir="2700000" algn="tl" rotWithShape="0">
+                  <a:prstClr val="black">
+                    <a:alpha val="40000"/>
+                  </a:prstClr>
+                </a:outerShdw>
+              </a:effectLst>
+            </p:spPr>
+            <p:style>
+              <a:lnRef idx="2">
+                <a:schemeClr val="accent1">
+                  <a:shade val="50000"/>
+                </a:schemeClr>
+              </a:lnRef>
+              <a:fillRef idx="1">
+                <a:schemeClr val="accent1"/>
+              </a:fillRef>
+              <a:effectRef idx="0">
+                <a:schemeClr val="accent1"/>
+              </a:effectRef>
+              <a:fontRef idx="minor">
+                <a:schemeClr val="lt1"/>
+              </a:fontRef>
+            </p:style>
+            <p:txBody>
+              <a:bodyPr rtlCol="0" anchor="ctr"/>
+              <a:lstStyle/>
+              <a:p>
+                <a:pPr algn="ctr"/>
+                <a14:m>
+                  <m:oMathPara xmlns:m="http://schemas.openxmlformats.org/officeDocument/2006/math">
+                    <m:oMathParaPr>
+                      <m:jc m:val="centerGroup"/>
+                    </m:oMathParaPr>
+                    <m:oMath xmlns:m="http://schemas.openxmlformats.org/officeDocument/2006/math">
+                      <m:r>
+                        <a:rPr lang="en-US" sz="3200" i="1">
+                          <a:latin typeface="Cambria Math" panose="02040503050406030204" pitchFamily="18" charset="0"/>
+                          <a:ea typeface="Cambria Math" panose="02040503050406030204" pitchFamily="18" charset="0"/>
+                        </a:rPr>
+                        <m:t>𝜎</m:t>
+                      </m:r>
+                      <m:r>
+                        <m:rPr>
+                          <m:nor/>
+                        </m:rPr>
+                        <a:rPr lang="en-US" sz="3200" b="0" i="0" baseline="-25000" dirty="0" smtClean="0"/>
+                        <m:t>c</m:t>
+                      </m:r>
+                    </m:oMath>
+                  </m:oMathPara>
+                </a14:m>
+                <a:endParaRPr lang="en-US" sz="3200" dirty="0"/>
+              </a:p>
+            </p:txBody>
+          </p:sp>
+        </mc:Choice>
+        <mc:Fallback>
+          <p:sp>
+            <p:nvSpPr>
+              <p:cNvPr id="17" name="Rectangle 16">
+                <a:extLst>
+                  <a:ext uri="{FF2B5EF4-FFF2-40B4-BE49-F238E27FC236}">
+                    <a16:creationId xmlns:a16="http://schemas.microsoft.com/office/drawing/2014/main" id="{B4B2D76B-989F-E74F-8E73-59051B113560}"/>
+                  </a:ext>
+                </a:extLst>
+              </p:cNvPr>
+              <p:cNvSpPr>
+                <a:spLocks noRot="1" noChangeAspect="1" noMove="1" noResize="1" noEditPoints="1" noAdjustHandles="1" noChangeArrowheads="1" noChangeShapeType="1" noTextEdit="1"/>
+              </p:cNvSpPr>
+              <p:nvPr/>
+            </p:nvSpPr>
+            <p:spPr>
+              <a:xfrm>
+                <a:off x="4632875" y="4305961"/>
+                <a:ext cx="1005632" cy="552410"/>
+              </a:xfrm>
+              <a:prstGeom prst="rect">
+                <a:avLst/>
+              </a:prstGeom>
+              <a:blipFill>
+                <a:blip r:embed="rId5"/>
+                <a:stretch>
+                  <a:fillRect/>
+                </a:stretch>
+              </a:blipFill>
+              <a:effectLst>
+                <a:outerShdw blurRad="50800" dist="38100" dir="2700000" algn="tl" rotWithShape="0">
+                  <a:prstClr val="black">
+                    <a:alpha val="40000"/>
+                  </a:prstClr>
+                </a:outerShdw>
+              </a:effectLst>
+            </p:spPr>
+            <p:txBody>
+              <a:bodyPr/>
+              <a:lstStyle/>
+              <a:p>
+                <a:r>
+                  <a:rPr lang="en-US">
+                    <a:noFill/>
+                  </a:rPr>
+                  <a:t> </a:t>
+                </a:r>
+              </a:p>
+            </p:txBody>
+          </p:sp>
+        </mc:Fallback>
+      </mc:AlternateContent>
+      <p:cxnSp>
+        <p:nvCxnSpPr>
+          <p:cNvPr id="18" name="Elbow Connector 17">
+            <a:extLst>
+              <a:ext uri="{FF2B5EF4-FFF2-40B4-BE49-F238E27FC236}">
+                <a16:creationId xmlns:a16="http://schemas.microsoft.com/office/drawing/2014/main" id="{9002226D-4809-C343-A926-A0A684416481}"/>
+              </a:ext>
+            </a:extLst>
+          </p:cNvPr>
+          <p:cNvCxnSpPr>
+            <a:cxnSpLocks/>
+            <a:stCxn id="16" idx="0"/>
+            <a:endCxn id="6" idx="2"/>
+          </p:cNvCxnSpPr>
+          <p:nvPr/>
+        </p:nvCxnSpPr>
+        <p:spPr>
+          <a:xfrm rot="5400000" flipH="1" flipV="1">
+            <a:off x="6239933" y="3619775"/>
+            <a:ext cx="707295" cy="690542"/>
+          </a:xfrm>
+          <a:prstGeom prst="bentConnector2">
+            <a:avLst/>
+          </a:prstGeom>
+          <a:ln w="66675">
+            <a:tailEnd type="triangle"/>
+          </a:ln>
+        </p:spPr>
+        <p:style>
+          <a:lnRef idx="1">
+            <a:schemeClr val="accent1"/>
+          </a:lnRef>
+          <a:fillRef idx="0">
+            <a:schemeClr val="accent1"/>
+          </a:fillRef>
+          <a:effectRef idx="0">
+            <a:schemeClr val="accent1"/>
+          </a:effectRef>
+          <a:fontRef idx="minor">
+            <a:schemeClr val="tx1"/>
+          </a:fontRef>
+        </p:style>
+      </p:cxnSp>
+      <p:cxnSp>
+        <p:nvCxnSpPr>
+          <p:cNvPr id="25" name="Elbow Connector 24">
+            <a:extLst>
+              <a:ext uri="{FF2B5EF4-FFF2-40B4-BE49-F238E27FC236}">
+                <a16:creationId xmlns:a16="http://schemas.microsoft.com/office/drawing/2014/main" id="{2912869C-DA2D-D54F-8794-DCBE23E54BE8}"/>
+              </a:ext>
+            </a:extLst>
+          </p:cNvPr>
+          <p:cNvCxnSpPr>
+            <a:cxnSpLocks/>
+            <a:endCxn id="17" idx="2"/>
+          </p:cNvCxnSpPr>
+          <p:nvPr/>
+        </p:nvCxnSpPr>
+        <p:spPr>
+          <a:xfrm flipV="1">
+            <a:off x="794771" y="4858371"/>
+            <a:ext cx="4340920" cy="429174"/>
+          </a:xfrm>
+          <a:prstGeom prst="bentConnector2">
+            <a:avLst/>
+          </a:prstGeom>
+          <a:ln w="66675">
+            <a:tailEnd type="triangle"/>
+          </a:ln>
+        </p:spPr>
+        <p:style>
+          <a:lnRef idx="1">
+            <a:schemeClr val="accent1"/>
+          </a:lnRef>
+          <a:fillRef idx="0">
+            <a:schemeClr val="accent1"/>
+          </a:fillRef>
+          <a:effectRef idx="0">
+            <a:schemeClr val="accent1"/>
+          </a:effectRef>
+          <a:fontRef idx="minor">
+            <a:schemeClr val="tx1"/>
+          </a:fontRef>
+        </p:style>
+      </p:cxnSp>
+      <p:cxnSp>
+        <p:nvCxnSpPr>
+          <p:cNvPr id="28" name="Elbow Connector 27">
+            <a:extLst>
+              <a:ext uri="{FF2B5EF4-FFF2-40B4-BE49-F238E27FC236}">
+                <a16:creationId xmlns:a16="http://schemas.microsoft.com/office/drawing/2014/main" id="{4E329219-7E45-0E46-99DC-C7576C3EA1F2}"/>
+              </a:ext>
+            </a:extLst>
+          </p:cNvPr>
+          <p:cNvCxnSpPr>
+            <a:cxnSpLocks/>
+            <a:endCxn id="15" idx="2"/>
+          </p:cNvCxnSpPr>
+          <p:nvPr/>
+        </p:nvCxnSpPr>
+        <p:spPr>
+          <a:xfrm flipV="1">
+            <a:off x="909437" y="4865938"/>
+            <a:ext cx="3121538" cy="434476"/>
+          </a:xfrm>
+          <a:prstGeom prst="bentConnector2">
+            <a:avLst/>
+          </a:prstGeom>
+          <a:ln w="66675">
+            <a:tailEnd type="triangle"/>
+          </a:ln>
+        </p:spPr>
+        <p:style>
+          <a:lnRef idx="1">
+            <a:schemeClr val="accent1"/>
+          </a:lnRef>
+          <a:fillRef idx="0">
+            <a:schemeClr val="accent1"/>
+          </a:fillRef>
+          <a:effectRef idx="0">
+            <a:schemeClr val="accent1"/>
+          </a:effectRef>
+          <a:fontRef idx="minor">
+            <a:schemeClr val="tx1"/>
+          </a:fontRef>
+        </p:style>
+      </p:cxnSp>
+      <p:cxnSp>
+        <p:nvCxnSpPr>
+          <p:cNvPr id="31" name="Elbow Connector 30">
+            <a:extLst>
+              <a:ext uri="{FF2B5EF4-FFF2-40B4-BE49-F238E27FC236}">
+                <a16:creationId xmlns:a16="http://schemas.microsoft.com/office/drawing/2014/main" id="{B3300504-3BE1-9A4D-A7D4-B9A0FE98C992}"/>
+              </a:ext>
+            </a:extLst>
+          </p:cNvPr>
+          <p:cNvCxnSpPr>
+            <a:cxnSpLocks/>
+            <a:endCxn id="14" idx="2"/>
+          </p:cNvCxnSpPr>
+          <p:nvPr/>
+        </p:nvCxnSpPr>
+        <p:spPr>
+          <a:xfrm flipV="1">
+            <a:off x="1051452" y="4858371"/>
+            <a:ext cx="1852305" cy="447071"/>
+          </a:xfrm>
+          <a:prstGeom prst="bentConnector2">
+            <a:avLst/>
+          </a:prstGeom>
+          <a:ln w="66675">
+            <a:tailEnd type="triangle"/>
+          </a:ln>
+        </p:spPr>
+        <p:style>
+          <a:lnRef idx="1">
+            <a:schemeClr val="accent1"/>
+          </a:lnRef>
+          <a:fillRef idx="0">
+            <a:schemeClr val="accent1"/>
+          </a:fillRef>
+          <a:effectRef idx="0">
+            <a:schemeClr val="accent1"/>
+          </a:effectRef>
+          <a:fontRef idx="minor">
+            <a:schemeClr val="tx1"/>
+          </a:fontRef>
+        </p:style>
+      </p:cxnSp>
+      <mc:AlternateContent xmlns:mc="http://schemas.openxmlformats.org/markup-compatibility/2006" xmlns:a14="http://schemas.microsoft.com/office/drawing/2010/main">
+        <mc:Choice Requires="a14">
+          <p:sp>
+            <p:nvSpPr>
+              <p:cNvPr id="34" name="Oval 33">
+                <a:extLst>
+                  <a:ext uri="{FF2B5EF4-FFF2-40B4-BE49-F238E27FC236}">
+                    <a16:creationId xmlns:a16="http://schemas.microsoft.com/office/drawing/2014/main" id="{FF45538B-A5DA-2146-80CB-B65719E914D3}"/>
+                  </a:ext>
+                </a:extLst>
+              </p:cNvPr>
+              <p:cNvSpPr/>
+              <p:nvPr/>
+            </p:nvSpPr>
+            <p:spPr>
+              <a:xfrm>
+                <a:off x="1451697" y="5721761"/>
+                <a:ext cx="623455" cy="623455"/>
+              </a:xfrm>
+              <a:prstGeom prst="ellipse">
+                <a:avLst/>
+              </a:prstGeom>
+              <a:solidFill>
+                <a:schemeClr val="bg1">
+                  <a:lumMod val="85000"/>
+                </a:schemeClr>
+              </a:solidFill>
+              <a:ln>
+                <a:solidFill>
+                  <a:schemeClr val="tx1"/>
+                </a:solidFill>
+              </a:ln>
+              <a:effectLst>
+                <a:outerShdw blurRad="50800" dist="38100" dir="2700000" algn="tl" rotWithShape="0">
+                  <a:prstClr val="black">
+                    <a:alpha val="40000"/>
+                  </a:prstClr>
+                </a:outerShdw>
+              </a:effectLst>
+            </p:spPr>
+            <p:style>
+              <a:lnRef idx="1">
+                <a:schemeClr val="accent2"/>
+              </a:lnRef>
+              <a:fillRef idx="2">
+                <a:schemeClr val="accent2"/>
+              </a:fillRef>
+              <a:effectRef idx="1">
+                <a:schemeClr val="accent2"/>
+              </a:effectRef>
+              <a:fontRef idx="minor">
+                <a:schemeClr val="dk1"/>
+              </a:fontRef>
+            </p:style>
+            <p:txBody>
+              <a:bodyPr rtlCol="0" anchor="ctr"/>
+              <a:lstStyle/>
+              <a:p>
+                <a:pPr algn="ctr"/>
+                <a14:m>
+                  <m:oMathPara xmlns:m="http://schemas.openxmlformats.org/officeDocument/2006/math">
+                    <m:oMathParaPr>
+                      <m:jc m:val="centerGroup"/>
+                    </m:oMathParaPr>
+                    <m:oMath xmlns:m="http://schemas.openxmlformats.org/officeDocument/2006/math">
+                      <m:r>
+                        <a:rPr lang="en-US" sz="3200" b="0" i="1" smtClean="0">
+                          <a:latin typeface="Cambria Math" panose="02040503050406030204" pitchFamily="18" charset="0"/>
+                        </a:rPr>
+                        <m:t> </m:t>
+                      </m:r>
+                      <m:sSub>
+                        <m:sSubPr>
+                          <m:ctrlPr>
+                            <a:rPr lang="en-US" sz="3200" i="1" smtClean="0">
+                              <a:latin typeface="Cambria Math" panose="02040503050406030204" pitchFamily="18" charset="0"/>
+                            </a:rPr>
+                          </m:ctrlPr>
+                        </m:sSubPr>
+                        <m:e>
+                          <m:r>
+                            <a:rPr lang="en-US" sz="3200" b="0" i="1" smtClean="0">
+                              <a:latin typeface="Cambria Math" panose="02040503050406030204" pitchFamily="18" charset="0"/>
+                            </a:rPr>
+                            <m:t>𝑥</m:t>
+                          </m:r>
+                        </m:e>
+                        <m:sub>
+                          <m:r>
+                            <a:rPr lang="en-US" sz="3200" b="0" i="1" smtClean="0">
+                              <a:latin typeface="Cambria Math" panose="02040503050406030204" pitchFamily="18" charset="0"/>
+                            </a:rPr>
+                            <m:t>𝑡</m:t>
+                          </m:r>
+                        </m:sub>
+                      </m:sSub>
+                    </m:oMath>
+                  </m:oMathPara>
+                </a14:m>
+                <a:endParaRPr lang="en-US" sz="3200" dirty="0"/>
+              </a:p>
+            </p:txBody>
+          </p:sp>
+        </mc:Choice>
+        <mc:Fallback xmlns="">
+          <p:sp>
+            <p:nvSpPr>
+              <p:cNvPr id="34" name="Oval 33">
+                <a:extLst>
+                  <a:ext uri="{FF2B5EF4-FFF2-40B4-BE49-F238E27FC236}">
+                    <a16:creationId xmlns:a16="http://schemas.microsoft.com/office/drawing/2014/main" id="{FF45538B-A5DA-2146-80CB-B65719E914D3}"/>
+                  </a:ext>
+                </a:extLst>
+              </p:cNvPr>
+              <p:cNvSpPr>
+                <a:spLocks noRot="1" noChangeAspect="1" noMove="1" noResize="1" noEditPoints="1" noAdjustHandles="1" noChangeArrowheads="1" noChangeShapeType="1" noTextEdit="1"/>
+              </p:cNvSpPr>
+              <p:nvPr/>
+            </p:nvSpPr>
+            <p:spPr>
+              <a:xfrm>
+                <a:off x="1451697" y="5721761"/>
+                <a:ext cx="623455" cy="623455"/>
+              </a:xfrm>
+              <a:prstGeom prst="ellipse">
+                <a:avLst/>
+              </a:prstGeom>
+              <a:blipFill>
+                <a:blip r:embed="rId6"/>
+                <a:stretch>
+                  <a:fillRect/>
+                </a:stretch>
+              </a:blipFill>
+              <a:ln>
+                <a:solidFill>
+                  <a:schemeClr val="tx1"/>
+                </a:solidFill>
+              </a:ln>
+              <a:effectLst>
+                <a:outerShdw blurRad="50800" dist="38100" dir="2700000" algn="tl" rotWithShape="0">
+                  <a:prstClr val="black">
+                    <a:alpha val="40000"/>
+                  </a:prstClr>
+                </a:outerShdw>
+              </a:effectLst>
+            </p:spPr>
+            <p:txBody>
+              <a:bodyPr/>
+              <a:lstStyle/>
+              <a:p>
+                <a:r>
+                  <a:rPr lang="en-US">
+                    <a:noFill/>
+                  </a:rPr>
+                  <a:t> </a:t>
+                </a:r>
+              </a:p>
+            </p:txBody>
+          </p:sp>
+        </mc:Fallback>
+      </mc:AlternateContent>
+      <mc:AlternateContent xmlns:mc="http://schemas.openxmlformats.org/markup-compatibility/2006" xmlns:a14="http://schemas.microsoft.com/office/drawing/2010/main">
+        <mc:Choice Requires="a14">
+          <p:sp>
+            <p:nvSpPr>
+              <p:cNvPr id="35" name="Oval 34">
+                <a:extLst>
+                  <a:ext uri="{FF2B5EF4-FFF2-40B4-BE49-F238E27FC236}">
+                    <a16:creationId xmlns:a16="http://schemas.microsoft.com/office/drawing/2014/main" id="{ADD247F4-5064-7E41-BD43-DCBB48CF5E6F}"/>
+                  </a:ext>
+                </a:extLst>
+              </p:cNvPr>
+              <p:cNvSpPr/>
+              <p:nvPr/>
+            </p:nvSpPr>
+            <p:spPr>
+              <a:xfrm>
+                <a:off x="8037336" y="297019"/>
+                <a:ext cx="623455" cy="623455"/>
+              </a:xfrm>
+              <a:prstGeom prst="ellipse">
+                <a:avLst/>
+              </a:prstGeom>
+              <a:solidFill>
+                <a:schemeClr val="bg1">
+                  <a:lumMod val="85000"/>
+                </a:schemeClr>
+              </a:solidFill>
+              <a:ln>
+                <a:solidFill>
+                  <a:schemeClr val="tx1"/>
+                </a:solidFill>
+              </a:ln>
+              <a:effectLst>
+                <a:outerShdw blurRad="50800" dist="38100" dir="2700000" algn="tl" rotWithShape="0">
+                  <a:prstClr val="black">
+                    <a:alpha val="40000"/>
+                  </a:prstClr>
+                </a:outerShdw>
+              </a:effectLst>
+            </p:spPr>
+            <p:style>
+              <a:lnRef idx="1">
+                <a:schemeClr val="accent2"/>
+              </a:lnRef>
+              <a:fillRef idx="2">
+                <a:schemeClr val="accent2"/>
+              </a:fillRef>
+              <a:effectRef idx="1">
+                <a:schemeClr val="accent2"/>
+              </a:effectRef>
+              <a:fontRef idx="minor">
+                <a:schemeClr val="dk1"/>
+              </a:fontRef>
+            </p:style>
+            <p:txBody>
+              <a:bodyPr rtlCol="0" anchor="ctr"/>
+              <a:lstStyle/>
+              <a:p>
+                <a:pPr algn="ctr"/>
+                <a14:m>
+                  <m:oMathPara xmlns:m="http://schemas.openxmlformats.org/officeDocument/2006/math">
+                    <m:oMathParaPr>
+                      <m:jc m:val="centerGroup"/>
+                    </m:oMathParaPr>
+                    <m:oMath xmlns:m="http://schemas.openxmlformats.org/officeDocument/2006/math">
+                      <m:r>
+                        <a:rPr lang="en-US" sz="3200" b="0" i="1" smtClean="0">
+                          <a:latin typeface="Cambria Math" panose="02040503050406030204" pitchFamily="18" charset="0"/>
+                        </a:rPr>
+                        <m:t> </m:t>
+                      </m:r>
+                      <m:sSub>
+                        <m:sSubPr>
+                          <m:ctrlPr>
+                            <a:rPr lang="en-US" sz="3200" i="1" smtClean="0">
+                              <a:latin typeface="Cambria Math" panose="02040503050406030204" pitchFamily="18" charset="0"/>
+                            </a:rPr>
+                          </m:ctrlPr>
+                        </m:sSubPr>
+                        <m:e>
+                          <m:r>
+                            <a:rPr lang="en-US" sz="3200" b="0" i="1" smtClean="0">
+                              <a:latin typeface="Cambria Math" panose="02040503050406030204" pitchFamily="18" charset="0"/>
+                            </a:rPr>
+                            <m:t>h</m:t>
+                          </m:r>
+                        </m:e>
+                        <m:sub>
+                          <m:r>
+                            <a:rPr lang="en-US" sz="3200" b="0" i="1" smtClean="0">
+                              <a:latin typeface="Cambria Math" panose="02040503050406030204" pitchFamily="18" charset="0"/>
+                            </a:rPr>
+                            <m:t>𝑡</m:t>
+                          </m:r>
+                        </m:sub>
+                      </m:sSub>
+                    </m:oMath>
+                  </m:oMathPara>
+                </a14:m>
+                <a:endParaRPr lang="en-US" sz="3200" dirty="0"/>
+              </a:p>
+            </p:txBody>
+          </p:sp>
+        </mc:Choice>
+        <mc:Fallback xmlns="">
+          <p:sp>
+            <p:nvSpPr>
+              <p:cNvPr id="35" name="Oval 34">
+                <a:extLst>
+                  <a:ext uri="{FF2B5EF4-FFF2-40B4-BE49-F238E27FC236}">
+                    <a16:creationId xmlns:a16="http://schemas.microsoft.com/office/drawing/2014/main" id="{ADD247F4-5064-7E41-BD43-DCBB48CF5E6F}"/>
+                  </a:ext>
+                </a:extLst>
+              </p:cNvPr>
+              <p:cNvSpPr>
+                <a:spLocks noRot="1" noChangeAspect="1" noMove="1" noResize="1" noEditPoints="1" noAdjustHandles="1" noChangeArrowheads="1" noChangeShapeType="1" noTextEdit="1"/>
+              </p:cNvSpPr>
+              <p:nvPr/>
+            </p:nvSpPr>
+            <p:spPr>
+              <a:xfrm>
+                <a:off x="8037336" y="297019"/>
+                <a:ext cx="623455" cy="623455"/>
+              </a:xfrm>
+              <a:prstGeom prst="ellipse">
+                <a:avLst/>
+              </a:prstGeom>
+              <a:blipFill>
+                <a:blip r:embed="rId7"/>
+                <a:stretch>
+                  <a:fillRect/>
+                </a:stretch>
+              </a:blipFill>
+              <a:ln>
+                <a:solidFill>
+                  <a:schemeClr val="tx1"/>
+                </a:solidFill>
+              </a:ln>
+              <a:effectLst>
+                <a:outerShdw blurRad="50800" dist="38100" dir="2700000" algn="tl" rotWithShape="0">
+                  <a:prstClr val="black">
+                    <a:alpha val="40000"/>
+                  </a:prstClr>
+                </a:outerShdw>
+              </a:effectLst>
+            </p:spPr>
+            <p:txBody>
+              <a:bodyPr/>
+              <a:lstStyle/>
+              <a:p>
+                <a:r>
+                  <a:rPr lang="en-US">
+                    <a:noFill/>
+                  </a:rPr>
+                  <a:t> </a:t>
+                </a:r>
+              </a:p>
+            </p:txBody>
+          </p:sp>
+        </mc:Fallback>
+      </mc:AlternateContent>
+      <mc:AlternateContent xmlns:mc="http://schemas.openxmlformats.org/markup-compatibility/2006">
+        <mc:Choice xmlns:a14="http://schemas.microsoft.com/office/drawing/2010/main" Requires="a14">
+          <p:sp>
+            <p:nvSpPr>
+              <p:cNvPr id="36" name="Rectangle 35">
+                <a:extLst>
+                  <a:ext uri="{FF2B5EF4-FFF2-40B4-BE49-F238E27FC236}">
+                    <a16:creationId xmlns:a16="http://schemas.microsoft.com/office/drawing/2014/main" id="{80DC9B66-FE90-3B43-BB18-E165F887CC66}"/>
+                  </a:ext>
+                </a:extLst>
+              </p:cNvPr>
+              <p:cNvSpPr/>
+              <p:nvPr/>
+            </p:nvSpPr>
+            <p:spPr>
+              <a:xfrm>
+                <a:off x="6683195" y="2362338"/>
+                <a:ext cx="1134765" cy="552410"/>
+              </a:xfrm>
+              <a:prstGeom prst="rect">
+                <a:avLst/>
+              </a:prstGeom>
+              <a:solidFill>
+                <a:schemeClr val="tx1">
+                  <a:lumMod val="50000"/>
+                  <a:lumOff val="50000"/>
+                </a:schemeClr>
+              </a:solidFill>
+              <a:effectLst>
+                <a:outerShdw blurRad="50800" dist="38100" dir="2700000" algn="tl" rotWithShape="0">
+                  <a:prstClr val="black">
+                    <a:alpha val="40000"/>
+                  </a:prstClr>
+                </a:outerShdw>
+              </a:effectLst>
+            </p:spPr>
+            <p:style>
+              <a:lnRef idx="2">
+                <a:schemeClr val="accent1">
+                  <a:shade val="50000"/>
+                </a:schemeClr>
+              </a:lnRef>
+              <a:fillRef idx="1">
+                <a:schemeClr val="accent1"/>
+              </a:fillRef>
+              <a:effectRef idx="0">
+                <a:schemeClr val="accent1"/>
+              </a:effectRef>
+              <a:fontRef idx="minor">
+                <a:schemeClr val="lt1"/>
+              </a:fontRef>
+            </p:style>
+            <p:txBody>
+              <a:bodyPr rtlCol="0" anchor="ctr"/>
+              <a:lstStyle/>
+              <a:p>
+                <a:pPr algn="ctr"/>
+                <a14:m>
+                  <m:oMathPara xmlns:m="http://schemas.openxmlformats.org/officeDocument/2006/math">
+                    <m:oMathParaPr>
+                      <m:jc m:val="centerGroup"/>
+                    </m:oMathParaPr>
+                    <m:oMath xmlns:m="http://schemas.openxmlformats.org/officeDocument/2006/math">
+                      <m:r>
+                        <a:rPr lang="en-US" sz="3200" i="1">
+                          <a:latin typeface="Cambria Math" panose="02040503050406030204" pitchFamily="18" charset="0"/>
+                          <a:ea typeface="Cambria Math" panose="02040503050406030204" pitchFamily="18" charset="0"/>
+                        </a:rPr>
+                        <m:t>𝜎</m:t>
+                      </m:r>
+                      <m:r>
+                        <m:rPr>
+                          <m:nor/>
+                        </m:rPr>
+                        <a:rPr lang="en-US" sz="3200" b="0" i="0" baseline="-25000" dirty="0" smtClean="0"/>
+                        <m:t>c</m:t>
+                      </m:r>
+                    </m:oMath>
+                  </m:oMathPara>
+                </a14:m>
+                <a:endParaRPr lang="en-US" sz="3200" dirty="0"/>
+              </a:p>
+            </p:txBody>
+          </p:sp>
+        </mc:Choice>
+        <mc:Fallback>
+          <p:sp>
+            <p:nvSpPr>
+              <p:cNvPr id="36" name="Rectangle 35">
+                <a:extLst>
+                  <a:ext uri="{FF2B5EF4-FFF2-40B4-BE49-F238E27FC236}">
+                    <a16:creationId xmlns:a16="http://schemas.microsoft.com/office/drawing/2014/main" id="{80DC9B66-FE90-3B43-BB18-E165F887CC66}"/>
+                  </a:ext>
+                </a:extLst>
+              </p:cNvPr>
+              <p:cNvSpPr>
+                <a:spLocks noRot="1" noChangeAspect="1" noMove="1" noResize="1" noEditPoints="1" noAdjustHandles="1" noChangeArrowheads="1" noChangeShapeType="1" noTextEdit="1"/>
+              </p:cNvSpPr>
+              <p:nvPr/>
+            </p:nvSpPr>
+            <p:spPr>
+              <a:xfrm>
+                <a:off x="6683195" y="2362338"/>
+                <a:ext cx="1134765" cy="552410"/>
+              </a:xfrm>
+              <a:prstGeom prst="rect">
+                <a:avLst/>
+              </a:prstGeom>
+              <a:blipFill>
+                <a:blip r:embed="rId8"/>
+                <a:stretch>
+                  <a:fillRect/>
+                </a:stretch>
+              </a:blipFill>
+              <a:effectLst>
+                <a:outerShdw blurRad="50800" dist="38100" dir="2700000" algn="tl" rotWithShape="0">
+                  <a:prstClr val="black">
+                    <a:alpha val="40000"/>
+                  </a:prstClr>
+                </a:outerShdw>
+              </a:effectLst>
+            </p:spPr>
+            <p:txBody>
+              <a:bodyPr/>
+              <a:lstStyle/>
+              <a:p>
+                <a:r>
+                  <a:rPr lang="en-US">
+                    <a:noFill/>
+                  </a:rPr>
+                  <a:t> </a:t>
+                </a:r>
+              </a:p>
+            </p:txBody>
+          </p:sp>
+        </mc:Fallback>
+      </mc:AlternateContent>
+      <p:cxnSp>
+        <p:nvCxnSpPr>
+          <p:cNvPr id="39" name="Elbow Connector 38">
+            <a:extLst>
+              <a:ext uri="{FF2B5EF4-FFF2-40B4-BE49-F238E27FC236}">
+                <a16:creationId xmlns:a16="http://schemas.microsoft.com/office/drawing/2014/main" id="{0D5772B4-CCCD-4F4E-9A01-2586504B18EE}"/>
+              </a:ext>
+            </a:extLst>
+          </p:cNvPr>
+          <p:cNvCxnSpPr>
+            <a:cxnSpLocks/>
+            <a:stCxn id="17" idx="0"/>
+            <a:endCxn id="5" idx="4"/>
+          </p:cNvCxnSpPr>
+          <p:nvPr/>
+        </p:nvCxnSpPr>
+        <p:spPr>
+          <a:xfrm rot="5400000" flipH="1" flipV="1">
+            <a:off x="4785759" y="3952435"/>
+            <a:ext cx="703458" cy="3594"/>
+          </a:xfrm>
+          <a:prstGeom prst="bentConnector3">
+            <a:avLst>
+              <a:gd name="adj1" fmla="val 50000"/>
+            </a:avLst>
+          </a:prstGeom>
+          <a:ln w="66675">
+            <a:tailEnd type="triangle"/>
+          </a:ln>
+        </p:spPr>
+        <p:style>
+          <a:lnRef idx="1">
+            <a:schemeClr val="accent1"/>
+          </a:lnRef>
+          <a:fillRef idx="0">
+            <a:schemeClr val="accent1"/>
+          </a:fillRef>
+          <a:effectRef idx="0">
+            <a:schemeClr val="accent1"/>
+          </a:effectRef>
+          <a:fontRef idx="minor">
+            <a:schemeClr val="tx1"/>
+          </a:fontRef>
+        </p:style>
+      </p:cxnSp>
+      <p:cxnSp>
+        <p:nvCxnSpPr>
+          <p:cNvPr id="43" name="Elbow Connector 42">
+            <a:extLst>
+              <a:ext uri="{FF2B5EF4-FFF2-40B4-BE49-F238E27FC236}">
+                <a16:creationId xmlns:a16="http://schemas.microsoft.com/office/drawing/2014/main" id="{6CEE40EA-715C-6045-B44B-393678A91C90}"/>
+              </a:ext>
+            </a:extLst>
+          </p:cNvPr>
+          <p:cNvCxnSpPr>
+            <a:cxnSpLocks/>
+            <a:stCxn id="5" idx="0"/>
+            <a:endCxn id="4" idx="4"/>
+          </p:cNvCxnSpPr>
+          <p:nvPr/>
+        </p:nvCxnSpPr>
+        <p:spPr>
+          <a:xfrm rot="16200000" flipV="1">
+            <a:off x="4783641" y="2623404"/>
+            <a:ext cx="705496" cy="5792"/>
+          </a:xfrm>
+          <a:prstGeom prst="bentConnector3">
+            <a:avLst>
+              <a:gd name="adj1" fmla="val 50000"/>
+            </a:avLst>
+          </a:prstGeom>
+          <a:ln w="66675">
+            <a:tailEnd type="triangle"/>
+          </a:ln>
+        </p:spPr>
+        <p:style>
+          <a:lnRef idx="1">
+            <a:schemeClr val="accent1"/>
+          </a:lnRef>
+          <a:fillRef idx="0">
+            <a:schemeClr val="accent1"/>
+          </a:fillRef>
+          <a:effectRef idx="0">
+            <a:schemeClr val="accent1"/>
+          </a:effectRef>
+          <a:fontRef idx="minor">
+            <a:schemeClr val="tx1"/>
+          </a:fontRef>
+        </p:style>
+      </p:cxnSp>
+      <p:cxnSp>
+        <p:nvCxnSpPr>
+          <p:cNvPr id="49" name="Elbow Connector 48">
+            <a:extLst>
+              <a:ext uri="{FF2B5EF4-FFF2-40B4-BE49-F238E27FC236}">
+                <a16:creationId xmlns:a16="http://schemas.microsoft.com/office/drawing/2014/main" id="{C1F62CFD-CB7A-6A47-A9E3-027FFE31F0C5}"/>
+              </a:ext>
+            </a:extLst>
+          </p:cNvPr>
+          <p:cNvCxnSpPr>
+            <a:cxnSpLocks/>
+            <a:stCxn id="15" idx="0"/>
+            <a:endCxn id="5" idx="2"/>
+          </p:cNvCxnSpPr>
+          <p:nvPr/>
+        </p:nvCxnSpPr>
+        <p:spPr>
+          <a:xfrm rot="5400000" flipH="1" flipV="1">
+            <a:off x="3917890" y="3403861"/>
+            <a:ext cx="1022752" cy="796582"/>
+          </a:xfrm>
+          <a:prstGeom prst="bentConnector2">
+            <a:avLst/>
+          </a:prstGeom>
+          <a:ln w="66675">
+            <a:tailEnd type="triangle"/>
+          </a:ln>
+        </p:spPr>
+        <p:style>
+          <a:lnRef idx="1">
+            <a:schemeClr val="accent1"/>
+          </a:lnRef>
+          <a:fillRef idx="0">
+            <a:schemeClr val="accent1"/>
+          </a:fillRef>
+          <a:effectRef idx="0">
+            <a:schemeClr val="accent1"/>
+          </a:effectRef>
+          <a:fontRef idx="minor">
+            <a:schemeClr val="tx1"/>
+          </a:fontRef>
+        </p:style>
+      </p:cxnSp>
+      <p:cxnSp>
+        <p:nvCxnSpPr>
+          <p:cNvPr id="52" name="Elbow Connector 51">
+            <a:extLst>
+              <a:ext uri="{FF2B5EF4-FFF2-40B4-BE49-F238E27FC236}">
+                <a16:creationId xmlns:a16="http://schemas.microsoft.com/office/drawing/2014/main" id="{AB1CCCC4-3B18-B047-B2DA-06EBCE0F6193}"/>
+              </a:ext>
+            </a:extLst>
+          </p:cNvPr>
+          <p:cNvCxnSpPr>
+            <a:cxnSpLocks/>
+            <a:stCxn id="6" idx="0"/>
+            <a:endCxn id="36" idx="2"/>
+          </p:cNvCxnSpPr>
+          <p:nvPr/>
+        </p:nvCxnSpPr>
+        <p:spPr>
+          <a:xfrm flipH="1" flipV="1">
+            <a:off x="7250578" y="2914748"/>
+            <a:ext cx="1" cy="384922"/>
+          </a:xfrm>
+          <a:prstGeom prst="straightConnector1">
+            <a:avLst/>
+          </a:prstGeom>
+          <a:ln w="66675">
+            <a:headEnd type="none"/>
+            <a:tailEnd type="none"/>
+          </a:ln>
+        </p:spPr>
+        <p:style>
+          <a:lnRef idx="1">
+            <a:schemeClr val="accent1"/>
+          </a:lnRef>
+          <a:fillRef idx="0">
+            <a:schemeClr val="accent1"/>
+          </a:fillRef>
+          <a:effectRef idx="0">
+            <a:schemeClr val="accent1"/>
+          </a:effectRef>
+          <a:fontRef idx="minor">
+            <a:schemeClr val="tx1"/>
+          </a:fontRef>
+        </p:style>
+      </p:cxnSp>
+      <p:cxnSp>
+        <p:nvCxnSpPr>
+          <p:cNvPr id="63" name="Elbow Connector 62">
+            <a:extLst>
+              <a:ext uri="{FF2B5EF4-FFF2-40B4-BE49-F238E27FC236}">
+                <a16:creationId xmlns:a16="http://schemas.microsoft.com/office/drawing/2014/main" id="{A3B1C5D0-B1CC-C44A-A19C-6BAE27609B9D}"/>
+              </a:ext>
+            </a:extLst>
+          </p:cNvPr>
+          <p:cNvCxnSpPr>
+            <a:cxnSpLocks/>
+            <a:stCxn id="4" idx="6"/>
+          </p:cNvCxnSpPr>
+          <p:nvPr/>
+        </p:nvCxnSpPr>
+        <p:spPr>
+          <a:xfrm>
+            <a:off x="5445220" y="1961825"/>
+            <a:ext cx="4737251" cy="15591"/>
+          </a:xfrm>
+          <a:prstGeom prst="bentConnector3">
+            <a:avLst>
+              <a:gd name="adj1" fmla="val 50000"/>
+            </a:avLst>
+          </a:prstGeom>
+          <a:ln w="66675">
+            <a:tailEnd type="triangle"/>
+          </a:ln>
+        </p:spPr>
+        <p:style>
+          <a:lnRef idx="1">
+            <a:schemeClr val="accent1"/>
+          </a:lnRef>
+          <a:fillRef idx="0">
+            <a:schemeClr val="accent1"/>
+          </a:fillRef>
+          <a:effectRef idx="0">
+            <a:schemeClr val="accent1"/>
+          </a:effectRef>
+          <a:fontRef idx="minor">
+            <a:schemeClr val="tx1"/>
+          </a:fontRef>
+        </p:style>
+      </p:cxnSp>
+      <p:cxnSp>
+        <p:nvCxnSpPr>
+          <p:cNvPr id="65" name="Elbow Connector 64">
+            <a:extLst>
+              <a:ext uri="{FF2B5EF4-FFF2-40B4-BE49-F238E27FC236}">
+                <a16:creationId xmlns:a16="http://schemas.microsoft.com/office/drawing/2014/main" id="{B6B86284-1D98-AA45-BC19-24A29D1F6341}"/>
+              </a:ext>
+            </a:extLst>
+          </p:cNvPr>
+          <p:cNvCxnSpPr>
+            <a:cxnSpLocks/>
+            <a:endCxn id="3" idx="2"/>
+          </p:cNvCxnSpPr>
+          <p:nvPr/>
+        </p:nvCxnSpPr>
+        <p:spPr>
+          <a:xfrm>
+            <a:off x="909437" y="1961825"/>
+            <a:ext cx="1680815" cy="2041"/>
+          </a:xfrm>
+          <a:prstGeom prst="bentConnector3">
+            <a:avLst>
+              <a:gd name="adj1" fmla="val 50000"/>
+            </a:avLst>
+          </a:prstGeom>
+          <a:ln w="66675">
+            <a:tailEnd type="triangle"/>
+          </a:ln>
+        </p:spPr>
+        <p:style>
+          <a:lnRef idx="1">
+            <a:schemeClr val="accent1"/>
+          </a:lnRef>
+          <a:fillRef idx="0">
+            <a:schemeClr val="accent1"/>
+          </a:fillRef>
+          <a:effectRef idx="0">
+            <a:schemeClr val="accent1"/>
+          </a:effectRef>
+          <a:fontRef idx="minor">
+            <a:schemeClr val="tx1"/>
+          </a:fontRef>
+        </p:style>
+      </p:cxnSp>
+      <p:cxnSp>
+        <p:nvCxnSpPr>
+          <p:cNvPr id="68" name="Elbow Connector 67">
+            <a:extLst>
+              <a:ext uri="{FF2B5EF4-FFF2-40B4-BE49-F238E27FC236}">
+                <a16:creationId xmlns:a16="http://schemas.microsoft.com/office/drawing/2014/main" id="{72F3FC3E-200D-D746-B95A-B0E2634CBF15}"/>
+              </a:ext>
+            </a:extLst>
+          </p:cNvPr>
+          <p:cNvCxnSpPr>
+            <a:cxnSpLocks/>
+            <a:stCxn id="3" idx="6"/>
+            <a:endCxn id="4" idx="2"/>
+          </p:cNvCxnSpPr>
+          <p:nvPr/>
+        </p:nvCxnSpPr>
+        <p:spPr>
+          <a:xfrm flipV="1">
+            <a:off x="3213707" y="1961825"/>
+            <a:ext cx="1608058" cy="2041"/>
+          </a:xfrm>
+          <a:prstGeom prst="bentConnector3">
+            <a:avLst>
+              <a:gd name="adj1" fmla="val 50000"/>
+            </a:avLst>
+          </a:prstGeom>
+          <a:ln w="66675">
+            <a:tailEnd type="triangle"/>
+          </a:ln>
+        </p:spPr>
+        <p:style>
+          <a:lnRef idx="1">
+            <a:schemeClr val="accent1"/>
+          </a:lnRef>
+          <a:fillRef idx="0">
+            <a:schemeClr val="accent1"/>
+          </a:fillRef>
+          <a:effectRef idx="0">
+            <a:schemeClr val="accent1"/>
+          </a:effectRef>
+          <a:fontRef idx="minor">
+            <a:schemeClr val="tx1"/>
+          </a:fontRef>
+        </p:style>
+      </p:cxnSp>
+      <p:cxnSp>
+        <p:nvCxnSpPr>
+          <p:cNvPr id="73" name="Elbow Connector 72">
+            <a:extLst>
+              <a:ext uri="{FF2B5EF4-FFF2-40B4-BE49-F238E27FC236}">
+                <a16:creationId xmlns:a16="http://schemas.microsoft.com/office/drawing/2014/main" id="{020E9C0B-A2CB-A842-A9FE-C9B8C911A13D}"/>
+              </a:ext>
+            </a:extLst>
+          </p:cNvPr>
+          <p:cNvCxnSpPr>
+            <a:cxnSpLocks/>
+            <a:stCxn id="6" idx="4"/>
+          </p:cNvCxnSpPr>
+          <p:nvPr/>
+        </p:nvCxnSpPr>
+        <p:spPr>
+          <a:xfrm rot="16200000" flipH="1">
+            <a:off x="8019029" y="3154675"/>
+            <a:ext cx="1374714" cy="2911614"/>
+          </a:xfrm>
+          <a:prstGeom prst="bentConnector2">
+            <a:avLst/>
+          </a:prstGeom>
+          <a:ln w="66675">
+            <a:tailEnd type="triangle"/>
+          </a:ln>
+        </p:spPr>
+        <p:style>
+          <a:lnRef idx="1">
+            <a:schemeClr val="accent1"/>
+          </a:lnRef>
+          <a:fillRef idx="0">
+            <a:schemeClr val="accent1"/>
+          </a:fillRef>
+          <a:effectRef idx="0">
+            <a:schemeClr val="accent1"/>
+          </a:effectRef>
+          <a:fontRef idx="minor">
+            <a:schemeClr val="tx1"/>
+          </a:fontRef>
+        </p:style>
+      </p:cxnSp>
+      <p:cxnSp>
+        <p:nvCxnSpPr>
+          <p:cNvPr id="76" name="Elbow Connector 75">
+            <a:extLst>
+              <a:ext uri="{FF2B5EF4-FFF2-40B4-BE49-F238E27FC236}">
+                <a16:creationId xmlns:a16="http://schemas.microsoft.com/office/drawing/2014/main" id="{31FC02BE-1047-834E-8A85-BED1272753F3}"/>
+              </a:ext>
+            </a:extLst>
+          </p:cNvPr>
+          <p:cNvCxnSpPr>
+            <a:cxnSpLocks/>
+          </p:cNvCxnSpPr>
+          <p:nvPr/>
+        </p:nvCxnSpPr>
+        <p:spPr>
+          <a:xfrm rot="5400000" flipH="1" flipV="1">
+            <a:off x="6762170" y="3710942"/>
+            <a:ext cx="3173793" cy="2"/>
+          </a:xfrm>
+          <a:prstGeom prst="bentConnector3">
+            <a:avLst>
+              <a:gd name="adj1" fmla="val 50000"/>
+            </a:avLst>
+          </a:prstGeom>
+          <a:ln w="66675">
+            <a:tailEnd type="triangle"/>
+          </a:ln>
+        </p:spPr>
+        <p:style>
+          <a:lnRef idx="1">
+            <a:schemeClr val="accent1"/>
+          </a:lnRef>
+          <a:fillRef idx="0">
+            <a:schemeClr val="accent1"/>
+          </a:fillRef>
+          <a:effectRef idx="0">
+            <a:schemeClr val="accent1"/>
+          </a:effectRef>
+          <a:fontRef idx="minor">
+            <a:schemeClr val="tx1"/>
+          </a:fontRef>
+        </p:style>
+      </p:cxnSp>
+      <p:cxnSp>
+        <p:nvCxnSpPr>
+          <p:cNvPr id="79" name="Elbow Connector 78">
+            <a:extLst>
+              <a:ext uri="{FF2B5EF4-FFF2-40B4-BE49-F238E27FC236}">
+                <a16:creationId xmlns:a16="http://schemas.microsoft.com/office/drawing/2014/main" id="{4659DF10-3E57-E447-988F-8E254390B50E}"/>
+              </a:ext>
+            </a:extLst>
+          </p:cNvPr>
+          <p:cNvCxnSpPr>
+            <a:cxnSpLocks/>
+          </p:cNvCxnSpPr>
+          <p:nvPr/>
+        </p:nvCxnSpPr>
+        <p:spPr>
+          <a:xfrm rot="5400000" flipH="1" flipV="1">
+            <a:off x="7990670" y="1260388"/>
+            <a:ext cx="743625" cy="2"/>
+          </a:xfrm>
+          <a:prstGeom prst="bentConnector3">
+            <a:avLst>
+              <a:gd name="adj1" fmla="val 50000"/>
+            </a:avLst>
+          </a:prstGeom>
+          <a:ln w="66675">
+            <a:tailEnd type="triangle"/>
+          </a:ln>
+        </p:spPr>
+        <p:style>
+          <a:lnRef idx="1">
+            <a:schemeClr val="accent1"/>
+          </a:lnRef>
+          <a:fillRef idx="0">
+            <a:schemeClr val="accent1"/>
+          </a:fillRef>
+          <a:effectRef idx="0">
+            <a:schemeClr val="accent1"/>
+          </a:effectRef>
+          <a:fontRef idx="minor">
+            <a:schemeClr val="tx1"/>
+          </a:fontRef>
+        </p:style>
+      </p:cxnSp>
+      <p:sp>
+        <p:nvSpPr>
+          <p:cNvPr id="82" name="Block Arc 81">
+            <a:extLst>
+              <a:ext uri="{FF2B5EF4-FFF2-40B4-BE49-F238E27FC236}">
+                <a16:creationId xmlns:a16="http://schemas.microsoft.com/office/drawing/2014/main" id="{BEB45955-04FA-DE40-8E83-D94CECD053CB}"/>
+              </a:ext>
+            </a:extLst>
+          </p:cNvPr>
+          <p:cNvSpPr/>
+          <p:nvPr/>
+        </p:nvSpPr>
+        <p:spPr>
+          <a:xfrm rot="5400000">
+            <a:off x="8052133" y="1618030"/>
+            <a:ext cx="615020" cy="541866"/>
+          </a:xfrm>
+          <a:prstGeom prst="blockArc">
+            <a:avLst>
+              <a:gd name="adj1" fmla="val 10800000"/>
+              <a:gd name="adj2" fmla="val 226430"/>
+              <a:gd name="adj3" fmla="val 9272"/>
+            </a:avLst>
+          </a:prstGeom>
+        </p:spPr>
+        <p:style>
+          <a:lnRef idx="2">
+            <a:schemeClr val="accent1">
+              <a:shade val="50000"/>
+            </a:schemeClr>
+          </a:lnRef>
+          <a:fillRef idx="1">
+            <a:schemeClr val="accent1"/>
+          </a:fillRef>
+          <a:effectRef idx="0">
+            <a:schemeClr val="accent1"/>
+          </a:effectRef>
+          <a:fontRef idx="minor">
+            <a:schemeClr val="lt1"/>
+          </a:fontRef>
+        </p:style>
+        <p:txBody>
+          <a:bodyPr rtlCol="0" anchor="ctr"/>
+          <a:lstStyle/>
+          <a:p>
+            <a:pPr algn="ctr"/>
+            <a:endParaRPr lang="en-US" sz="3200">
+              <a:solidFill>
+                <a:schemeClr val="tx1"/>
+              </a:solidFill>
+            </a:endParaRPr>
+          </a:p>
+        </p:txBody>
+      </p:sp>
+      <mc:AlternateContent xmlns:mc="http://schemas.openxmlformats.org/markup-compatibility/2006" xmlns:a14="http://schemas.microsoft.com/office/drawing/2010/main">
+        <mc:Choice Requires="a14">
+          <p:sp>
+            <p:nvSpPr>
+              <p:cNvPr id="87" name="TextBox 86">
+                <a:extLst>
+                  <a:ext uri="{FF2B5EF4-FFF2-40B4-BE49-F238E27FC236}">
+                    <a16:creationId xmlns:a16="http://schemas.microsoft.com/office/drawing/2014/main" id="{946B5E47-5F19-8944-8A95-88128B126285}"/>
+                  </a:ext>
+                </a:extLst>
+              </p:cNvPr>
+              <p:cNvSpPr txBox="1"/>
+              <p:nvPr/>
+            </p:nvSpPr>
+            <p:spPr>
+              <a:xfrm>
+                <a:off x="1187177" y="1275709"/>
+                <a:ext cx="1004442" cy="584775"/>
+              </a:xfrm>
+              <a:prstGeom prst="rect">
+                <a:avLst/>
+              </a:prstGeom>
+              <a:noFill/>
+            </p:spPr>
+            <p:txBody>
+              <a:bodyPr wrap="square" rtlCol="0">
+                <a:spAutoFit/>
+              </a:bodyPr>
+              <a:lstStyle/>
+              <a:p>
+                <a:pPr/>
+                <a14:m>
+                  <m:oMathPara xmlns:m="http://schemas.openxmlformats.org/officeDocument/2006/math">
+                    <m:oMathParaPr>
+                      <m:jc m:val="centerGroup"/>
+                    </m:oMathParaPr>
+                    <m:oMath xmlns:m="http://schemas.openxmlformats.org/officeDocument/2006/math">
+                      <m:sSub>
+                        <m:sSubPr>
+                          <m:ctrlPr>
+                            <a:rPr lang="en-US" sz="3200" i="1" smtClean="0">
+                              <a:latin typeface="Cambria Math" panose="02040503050406030204" pitchFamily="18" charset="0"/>
+                            </a:rPr>
+                          </m:ctrlPr>
+                        </m:sSubPr>
+                        <m:e>
+                          <m:r>
+                            <a:rPr lang="en-US" sz="3200" b="0" i="1" smtClean="0">
+                              <a:latin typeface="Cambria Math" panose="02040503050406030204" pitchFamily="18" charset="0"/>
+                            </a:rPr>
+                            <m:t>𝑐</m:t>
+                          </m:r>
+                        </m:e>
+                        <m:sub>
+                          <m:r>
+                            <a:rPr lang="en-US" sz="3200" b="0" i="1" smtClean="0">
+                              <a:latin typeface="Cambria Math" panose="02040503050406030204" pitchFamily="18" charset="0"/>
+                            </a:rPr>
+                            <m:t>𝑡</m:t>
+                          </m:r>
+                          <m:r>
+                            <a:rPr lang="en-US" sz="3200" b="0" i="1" smtClean="0">
+                              <a:latin typeface="Cambria Math" panose="02040503050406030204" pitchFamily="18" charset="0"/>
+                            </a:rPr>
+                            <m:t>−1</m:t>
+                          </m:r>
+                        </m:sub>
+                      </m:sSub>
+                    </m:oMath>
+                  </m:oMathPara>
+                </a14:m>
+                <a:endParaRPr lang="en-US" sz="3200" dirty="0"/>
+              </a:p>
+            </p:txBody>
+          </p:sp>
+        </mc:Choice>
+        <mc:Fallback xmlns="">
+          <p:sp>
+            <p:nvSpPr>
+              <p:cNvPr id="87" name="TextBox 86">
+                <a:extLst>
+                  <a:ext uri="{FF2B5EF4-FFF2-40B4-BE49-F238E27FC236}">
+                    <a16:creationId xmlns:a16="http://schemas.microsoft.com/office/drawing/2014/main" id="{946B5E47-5F19-8944-8A95-88128B126285}"/>
+                  </a:ext>
+                </a:extLst>
+              </p:cNvPr>
+              <p:cNvSpPr txBox="1">
+                <a:spLocks noRot="1" noChangeAspect="1" noMove="1" noResize="1" noEditPoints="1" noAdjustHandles="1" noChangeArrowheads="1" noChangeShapeType="1" noTextEdit="1"/>
+              </p:cNvSpPr>
+              <p:nvPr/>
+            </p:nvSpPr>
+            <p:spPr>
+              <a:xfrm>
+                <a:off x="1187177" y="1275709"/>
+                <a:ext cx="1004442" cy="584775"/>
+              </a:xfrm>
+              <a:prstGeom prst="rect">
+                <a:avLst/>
+              </a:prstGeom>
+              <a:blipFill>
+                <a:blip r:embed="rId9"/>
+                <a:stretch>
+                  <a:fillRect b="-6383"/>
+                </a:stretch>
+              </a:blipFill>
+            </p:spPr>
+            <p:txBody>
+              <a:bodyPr/>
+              <a:lstStyle/>
+              <a:p>
+                <a:r>
+                  <a:rPr lang="en-US">
+                    <a:noFill/>
+                  </a:rPr>
+                  <a:t> </a:t>
+                </a:r>
+              </a:p>
+            </p:txBody>
+          </p:sp>
+        </mc:Fallback>
+      </mc:AlternateContent>
+      <mc:AlternateContent xmlns:mc="http://schemas.openxmlformats.org/markup-compatibility/2006" xmlns:a14="http://schemas.microsoft.com/office/drawing/2010/main">
+        <mc:Choice Requires="a14">
+          <p:sp>
+            <p:nvSpPr>
+              <p:cNvPr id="88" name="TextBox 87">
+                <a:extLst>
+                  <a:ext uri="{FF2B5EF4-FFF2-40B4-BE49-F238E27FC236}">
+                    <a16:creationId xmlns:a16="http://schemas.microsoft.com/office/drawing/2014/main" id="{94D376E6-B9EA-0446-B4C0-E022E5C70FAF}"/>
+                  </a:ext>
+                </a:extLst>
+              </p:cNvPr>
+              <p:cNvSpPr txBox="1"/>
+              <p:nvPr/>
+            </p:nvSpPr>
+            <p:spPr>
+              <a:xfrm>
+                <a:off x="9333988" y="1292715"/>
+                <a:ext cx="613309" cy="584775"/>
+              </a:xfrm>
+              <a:prstGeom prst="rect">
+                <a:avLst/>
+              </a:prstGeom>
+              <a:noFill/>
+            </p:spPr>
+            <p:txBody>
+              <a:bodyPr wrap="square" rtlCol="0">
+                <a:spAutoFit/>
+              </a:bodyPr>
+              <a:lstStyle/>
+              <a:p>
+                <a:pPr/>
+                <a14:m>
+                  <m:oMathPara xmlns:m="http://schemas.openxmlformats.org/officeDocument/2006/math">
+                    <m:oMathParaPr>
+                      <m:jc m:val="centerGroup"/>
+                    </m:oMathParaPr>
+                    <m:oMath xmlns:m="http://schemas.openxmlformats.org/officeDocument/2006/math">
+                      <m:sSub>
+                        <m:sSubPr>
+                          <m:ctrlPr>
+                            <a:rPr lang="en-US" sz="3200" i="1" smtClean="0">
+                              <a:latin typeface="Cambria Math" panose="02040503050406030204" pitchFamily="18" charset="0"/>
+                            </a:rPr>
+                          </m:ctrlPr>
+                        </m:sSubPr>
+                        <m:e>
+                          <m:r>
+                            <a:rPr lang="en-US" sz="3200" b="0" i="1" smtClean="0">
+                              <a:latin typeface="Cambria Math" panose="02040503050406030204" pitchFamily="18" charset="0"/>
+                            </a:rPr>
+                            <m:t>𝑐</m:t>
+                          </m:r>
+                        </m:e>
+                        <m:sub>
+                          <m:r>
+                            <a:rPr lang="en-US" sz="3200" b="0" i="1" smtClean="0">
+                              <a:latin typeface="Cambria Math" panose="02040503050406030204" pitchFamily="18" charset="0"/>
+                            </a:rPr>
+                            <m:t>𝑡</m:t>
+                          </m:r>
+                        </m:sub>
+                      </m:sSub>
+                    </m:oMath>
+                  </m:oMathPara>
+                </a14:m>
+                <a:endParaRPr lang="en-US" sz="3200" dirty="0"/>
+              </a:p>
+            </p:txBody>
+          </p:sp>
+        </mc:Choice>
+        <mc:Fallback xmlns="">
+          <p:sp>
+            <p:nvSpPr>
+              <p:cNvPr id="88" name="TextBox 87">
+                <a:extLst>
+                  <a:ext uri="{FF2B5EF4-FFF2-40B4-BE49-F238E27FC236}">
+                    <a16:creationId xmlns:a16="http://schemas.microsoft.com/office/drawing/2014/main" id="{94D376E6-B9EA-0446-B4C0-E022E5C70FAF}"/>
+                  </a:ext>
+                </a:extLst>
+              </p:cNvPr>
+              <p:cNvSpPr txBox="1">
+                <a:spLocks noRot="1" noChangeAspect="1" noMove="1" noResize="1" noEditPoints="1" noAdjustHandles="1" noChangeArrowheads="1" noChangeShapeType="1" noTextEdit="1"/>
+              </p:cNvSpPr>
+              <p:nvPr/>
+            </p:nvSpPr>
+            <p:spPr>
+              <a:xfrm>
+                <a:off x="9333988" y="1292715"/>
+                <a:ext cx="613309" cy="584775"/>
+              </a:xfrm>
+              <a:prstGeom prst="rect">
+                <a:avLst/>
+              </a:prstGeom>
+              <a:blipFill>
+                <a:blip r:embed="rId10"/>
+                <a:stretch>
+                  <a:fillRect b="-4255"/>
+                </a:stretch>
+              </a:blipFill>
+            </p:spPr>
+            <p:txBody>
+              <a:bodyPr/>
+              <a:lstStyle/>
+              <a:p>
+                <a:r>
+                  <a:rPr lang="en-US">
+                    <a:noFill/>
+                  </a:rPr>
+                  <a:t> </a:t>
+                </a:r>
+              </a:p>
+            </p:txBody>
+          </p:sp>
+        </mc:Fallback>
+      </mc:AlternateContent>
+      <mc:AlternateContent xmlns:mc="http://schemas.openxmlformats.org/markup-compatibility/2006" xmlns:a14="http://schemas.microsoft.com/office/drawing/2010/main">
+        <mc:Choice Requires="a14">
+          <p:sp>
+            <p:nvSpPr>
+              <p:cNvPr id="89" name="TextBox 88">
+                <a:extLst>
+                  <a:ext uri="{FF2B5EF4-FFF2-40B4-BE49-F238E27FC236}">
+                    <a16:creationId xmlns:a16="http://schemas.microsoft.com/office/drawing/2014/main" id="{78851F8D-D39B-D948-A9E2-5E9B3C47B79A}"/>
+                  </a:ext>
+                </a:extLst>
+              </p:cNvPr>
+              <p:cNvSpPr txBox="1"/>
+              <p:nvPr/>
+            </p:nvSpPr>
+            <p:spPr>
+              <a:xfrm>
+                <a:off x="1115437" y="4610481"/>
+                <a:ext cx="1052917" cy="584775"/>
+              </a:xfrm>
+              <a:prstGeom prst="rect">
+                <a:avLst/>
+              </a:prstGeom>
+              <a:noFill/>
+            </p:spPr>
+            <p:txBody>
+              <a:bodyPr wrap="square" rtlCol="0">
+                <a:spAutoFit/>
+              </a:bodyPr>
+              <a:lstStyle/>
+              <a:p>
+                <a:pPr/>
+                <a14:m>
+                  <m:oMathPara xmlns:m="http://schemas.openxmlformats.org/officeDocument/2006/math">
+                    <m:oMathParaPr>
+                      <m:jc m:val="centerGroup"/>
+                    </m:oMathParaPr>
+                    <m:oMath xmlns:m="http://schemas.openxmlformats.org/officeDocument/2006/math">
+                      <m:sSub>
+                        <m:sSubPr>
+                          <m:ctrlPr>
+                            <a:rPr lang="en-US" sz="3200" i="1" smtClean="0">
+                              <a:latin typeface="Cambria Math" panose="02040503050406030204" pitchFamily="18" charset="0"/>
+                            </a:rPr>
+                          </m:ctrlPr>
+                        </m:sSubPr>
+                        <m:e>
+                          <m:r>
+                            <a:rPr lang="en-US" sz="3200" b="0" i="1" smtClean="0">
+                              <a:latin typeface="Cambria Math" panose="02040503050406030204" pitchFamily="18" charset="0"/>
+                            </a:rPr>
+                            <m:t>h</m:t>
+                          </m:r>
+                        </m:e>
+                        <m:sub>
+                          <m:r>
+                            <a:rPr lang="en-US" sz="3200" b="0" i="1" smtClean="0">
+                              <a:latin typeface="Cambria Math" panose="02040503050406030204" pitchFamily="18" charset="0"/>
+                            </a:rPr>
+                            <m:t>𝑡</m:t>
+                          </m:r>
+                          <m:r>
+                            <a:rPr lang="en-US" sz="3200" b="0" i="1" smtClean="0">
+                              <a:latin typeface="Cambria Math" panose="02040503050406030204" pitchFamily="18" charset="0"/>
+                            </a:rPr>
+                            <m:t>−1</m:t>
+                          </m:r>
+                        </m:sub>
+                      </m:sSub>
+                    </m:oMath>
+                  </m:oMathPara>
+                </a14:m>
+                <a:endParaRPr lang="en-US" sz="3200" dirty="0"/>
+              </a:p>
+            </p:txBody>
+          </p:sp>
+        </mc:Choice>
+        <mc:Fallback xmlns="">
+          <p:sp>
+            <p:nvSpPr>
+              <p:cNvPr id="89" name="TextBox 88">
+                <a:extLst>
+                  <a:ext uri="{FF2B5EF4-FFF2-40B4-BE49-F238E27FC236}">
+                    <a16:creationId xmlns:a16="http://schemas.microsoft.com/office/drawing/2014/main" id="{78851F8D-D39B-D948-A9E2-5E9B3C47B79A}"/>
+                  </a:ext>
+                </a:extLst>
+              </p:cNvPr>
+              <p:cNvSpPr txBox="1">
+                <a:spLocks noRot="1" noChangeAspect="1" noMove="1" noResize="1" noEditPoints="1" noAdjustHandles="1" noChangeArrowheads="1" noChangeShapeType="1" noTextEdit="1"/>
+              </p:cNvSpPr>
+              <p:nvPr/>
+            </p:nvSpPr>
+            <p:spPr>
+              <a:xfrm>
+                <a:off x="1115437" y="4610481"/>
+                <a:ext cx="1052917" cy="584775"/>
+              </a:xfrm>
+              <a:prstGeom prst="rect">
+                <a:avLst/>
+              </a:prstGeom>
+              <a:blipFill>
+                <a:blip r:embed="rId11"/>
+                <a:stretch>
+                  <a:fillRect b="-4255"/>
+                </a:stretch>
+              </a:blipFill>
+            </p:spPr>
+            <p:txBody>
+              <a:bodyPr/>
+              <a:lstStyle/>
+              <a:p>
+                <a:r>
+                  <a:rPr lang="en-US">
+                    <a:noFill/>
+                  </a:rPr>
+                  <a:t> </a:t>
+                </a:r>
+              </a:p>
+            </p:txBody>
+          </p:sp>
+        </mc:Fallback>
+      </mc:AlternateContent>
+      <p:cxnSp>
+        <p:nvCxnSpPr>
+          <p:cNvPr id="91" name="Elbow Connector 90">
+            <a:extLst>
+              <a:ext uri="{FF2B5EF4-FFF2-40B4-BE49-F238E27FC236}">
+                <a16:creationId xmlns:a16="http://schemas.microsoft.com/office/drawing/2014/main" id="{12607CE5-D2C9-304E-9E8B-28B14CA75CC3}"/>
+              </a:ext>
+            </a:extLst>
+          </p:cNvPr>
+          <p:cNvCxnSpPr>
+            <a:cxnSpLocks/>
+            <a:stCxn id="34" idx="0"/>
+            <a:endCxn id="14" idx="2"/>
+          </p:cNvCxnSpPr>
+          <p:nvPr/>
+        </p:nvCxnSpPr>
+        <p:spPr>
+          <a:xfrm rot="5400000" flipH="1" flipV="1">
+            <a:off x="1901896" y="4719900"/>
+            <a:ext cx="863390" cy="1140332"/>
+          </a:xfrm>
+          <a:prstGeom prst="bentConnector3">
+            <a:avLst>
+              <a:gd name="adj1" fmla="val 50000"/>
+            </a:avLst>
+          </a:prstGeom>
+          <a:ln w="66675">
+            <a:tailEnd type="triangle"/>
+          </a:ln>
+        </p:spPr>
+        <p:style>
+          <a:lnRef idx="1">
+            <a:schemeClr val="accent1"/>
+          </a:lnRef>
+          <a:fillRef idx="0">
+            <a:schemeClr val="accent1"/>
+          </a:fillRef>
+          <a:effectRef idx="0">
+            <a:schemeClr val="accent1"/>
+          </a:effectRef>
+          <a:fontRef idx="minor">
+            <a:schemeClr val="tx1"/>
+          </a:fontRef>
+        </p:style>
+      </p:cxnSp>
+      <p:cxnSp>
+        <p:nvCxnSpPr>
+          <p:cNvPr id="140" name="Elbow Connector 139">
+            <a:extLst>
+              <a:ext uri="{FF2B5EF4-FFF2-40B4-BE49-F238E27FC236}">
+                <a16:creationId xmlns:a16="http://schemas.microsoft.com/office/drawing/2014/main" id="{11A0BCEF-3898-5349-98BC-570B60372984}"/>
+              </a:ext>
+            </a:extLst>
+          </p:cNvPr>
+          <p:cNvCxnSpPr>
+            <a:cxnSpLocks/>
+            <a:stCxn id="36" idx="0"/>
+          </p:cNvCxnSpPr>
+          <p:nvPr/>
+        </p:nvCxnSpPr>
+        <p:spPr>
+          <a:xfrm rot="5400000" flipH="1" flipV="1">
+            <a:off x="8513926" y="714070"/>
+            <a:ext cx="384921" cy="2911616"/>
+          </a:xfrm>
+          <a:prstGeom prst="bentConnector2">
+            <a:avLst/>
+          </a:prstGeom>
+          <a:ln w="66675">
+            <a:tailEnd type="triangle"/>
+          </a:ln>
+        </p:spPr>
+        <p:style>
+          <a:lnRef idx="1">
+            <a:schemeClr val="accent1"/>
+          </a:lnRef>
+          <a:fillRef idx="0">
+            <a:schemeClr val="accent1"/>
+          </a:fillRef>
+          <a:effectRef idx="0">
+            <a:schemeClr val="accent1"/>
+          </a:effectRef>
+          <a:fontRef idx="minor">
+            <a:schemeClr val="tx1"/>
+          </a:fontRef>
+        </p:style>
+      </p:cxnSp>
+      <mc:AlternateContent xmlns:mc="http://schemas.openxmlformats.org/markup-compatibility/2006" xmlns:a14="http://schemas.microsoft.com/office/drawing/2010/main">
+        <mc:Choice Requires="a14">
+          <p:sp>
+            <p:nvSpPr>
+              <p:cNvPr id="151" name="TextBox 150">
+                <a:extLst>
+                  <a:ext uri="{FF2B5EF4-FFF2-40B4-BE49-F238E27FC236}">
+                    <a16:creationId xmlns:a16="http://schemas.microsoft.com/office/drawing/2014/main" id="{E26A1CCC-8B83-794E-A184-C419DE0C8DEC}"/>
+                  </a:ext>
+                </a:extLst>
+              </p:cNvPr>
+              <p:cNvSpPr txBox="1"/>
+              <p:nvPr/>
+            </p:nvSpPr>
+            <p:spPr>
+              <a:xfrm>
+                <a:off x="9445035" y="4565983"/>
+                <a:ext cx="661784" cy="584775"/>
+              </a:xfrm>
+              <a:prstGeom prst="rect">
+                <a:avLst/>
+              </a:prstGeom>
+              <a:noFill/>
+            </p:spPr>
+            <p:txBody>
+              <a:bodyPr wrap="square" rtlCol="0">
+                <a:spAutoFit/>
+              </a:bodyPr>
+              <a:lstStyle/>
+              <a:p>
+                <a:pPr/>
+                <a14:m>
+                  <m:oMathPara xmlns:m="http://schemas.openxmlformats.org/officeDocument/2006/math">
+                    <m:oMathParaPr>
+                      <m:jc m:val="centerGroup"/>
+                    </m:oMathParaPr>
+                    <m:oMath xmlns:m="http://schemas.openxmlformats.org/officeDocument/2006/math">
+                      <m:sSub>
+                        <m:sSubPr>
+                          <m:ctrlPr>
+                            <a:rPr lang="en-US" sz="3200" i="1" smtClean="0">
+                              <a:latin typeface="Cambria Math" panose="02040503050406030204" pitchFamily="18" charset="0"/>
+                            </a:rPr>
+                          </m:ctrlPr>
+                        </m:sSubPr>
+                        <m:e>
+                          <m:r>
+                            <a:rPr lang="en-US" sz="3200" b="0" i="1" smtClean="0">
+                              <a:latin typeface="Cambria Math" panose="02040503050406030204" pitchFamily="18" charset="0"/>
+                            </a:rPr>
+                            <m:t>h</m:t>
+                          </m:r>
+                        </m:e>
+                        <m:sub>
+                          <m:r>
+                            <a:rPr lang="en-US" sz="3200" b="0" i="1" smtClean="0">
+                              <a:latin typeface="Cambria Math" panose="02040503050406030204" pitchFamily="18" charset="0"/>
+                            </a:rPr>
+                            <m:t>𝑡</m:t>
+                          </m:r>
+                        </m:sub>
+                      </m:sSub>
+                    </m:oMath>
+                  </m:oMathPara>
+                </a14:m>
+                <a:endParaRPr lang="en-US" sz="3200" dirty="0"/>
+              </a:p>
+            </p:txBody>
+          </p:sp>
+        </mc:Choice>
+        <mc:Fallback xmlns="">
+          <p:sp>
+            <p:nvSpPr>
+              <p:cNvPr id="151" name="TextBox 150">
+                <a:extLst>
+                  <a:ext uri="{FF2B5EF4-FFF2-40B4-BE49-F238E27FC236}">
+                    <a16:creationId xmlns:a16="http://schemas.microsoft.com/office/drawing/2014/main" id="{E26A1CCC-8B83-794E-A184-C419DE0C8DEC}"/>
+                  </a:ext>
+                </a:extLst>
+              </p:cNvPr>
+              <p:cNvSpPr txBox="1">
+                <a:spLocks noRot="1" noChangeAspect="1" noMove="1" noResize="1" noEditPoints="1" noAdjustHandles="1" noChangeArrowheads="1" noChangeShapeType="1" noTextEdit="1"/>
+              </p:cNvSpPr>
+              <p:nvPr/>
+            </p:nvSpPr>
+            <p:spPr>
+              <a:xfrm>
+                <a:off x="9445035" y="4565983"/>
+                <a:ext cx="661784" cy="584775"/>
+              </a:xfrm>
+              <a:prstGeom prst="rect">
+                <a:avLst/>
+              </a:prstGeom>
+              <a:blipFill>
+                <a:blip r:embed="rId12"/>
+                <a:stretch>
+                  <a:fillRect l="-1923" b="-4348"/>
+                </a:stretch>
+              </a:blipFill>
+            </p:spPr>
+            <p:txBody>
+              <a:bodyPr/>
+              <a:lstStyle/>
+              <a:p>
+                <a:r>
+                  <a:rPr lang="en-US">
+                    <a:noFill/>
+                  </a:rPr>
+                  <a:t> </a:t>
+                </a:r>
+              </a:p>
+            </p:txBody>
+          </p:sp>
+        </mc:Fallback>
+      </mc:AlternateContent>
+      <mc:AlternateContent xmlns:mc="http://schemas.openxmlformats.org/markup-compatibility/2006" xmlns:a14="http://schemas.microsoft.com/office/drawing/2010/main">
+        <mc:Choice Requires="a14">
+          <p:sp>
+            <p:nvSpPr>
+              <p:cNvPr id="153" name="TextBox 152">
+                <a:extLst>
+                  <a:ext uri="{FF2B5EF4-FFF2-40B4-BE49-F238E27FC236}">
+                    <a16:creationId xmlns:a16="http://schemas.microsoft.com/office/drawing/2014/main" id="{C4C022E6-1097-594A-AA7F-203CFB58DE02}"/>
+                  </a:ext>
+                </a:extLst>
+              </p:cNvPr>
+              <p:cNvSpPr txBox="1"/>
+              <p:nvPr/>
+            </p:nvSpPr>
+            <p:spPr>
+              <a:xfrm>
+                <a:off x="2286282" y="2989461"/>
+                <a:ext cx="596061" cy="584775"/>
+              </a:xfrm>
+              <a:prstGeom prst="rect">
+                <a:avLst/>
+              </a:prstGeom>
+              <a:noFill/>
+            </p:spPr>
+            <p:txBody>
+              <a:bodyPr wrap="square" rtlCol="0">
+                <a:spAutoFit/>
+              </a:bodyPr>
+              <a:lstStyle/>
+              <a:p>
+                <a:pPr/>
+                <a14:m>
+                  <m:oMathPara xmlns:m="http://schemas.openxmlformats.org/officeDocument/2006/math">
+                    <m:oMathParaPr>
+                      <m:jc m:val="centerGroup"/>
+                    </m:oMathParaPr>
+                    <m:oMath xmlns:m="http://schemas.openxmlformats.org/officeDocument/2006/math">
+                      <m:sSub>
+                        <m:sSubPr>
+                          <m:ctrlPr>
+                            <a:rPr lang="en-US" sz="3200" i="1" smtClean="0">
+                              <a:latin typeface="Cambria Math" panose="02040503050406030204" pitchFamily="18" charset="0"/>
+                            </a:rPr>
+                          </m:ctrlPr>
+                        </m:sSubPr>
+                        <m:e>
+                          <m:r>
+                            <a:rPr lang="en-US" sz="3200" b="0" i="1" smtClean="0">
+                              <a:latin typeface="Cambria Math" panose="02040503050406030204" pitchFamily="18" charset="0"/>
+                            </a:rPr>
+                            <m:t>𝑓</m:t>
+                          </m:r>
+                        </m:e>
+                        <m:sub>
+                          <m:r>
+                            <a:rPr lang="en-US" sz="3200" b="0" i="1" smtClean="0">
+                              <a:latin typeface="Cambria Math" panose="02040503050406030204" pitchFamily="18" charset="0"/>
+                            </a:rPr>
+                            <m:t>𝑡</m:t>
+                          </m:r>
+                        </m:sub>
+                      </m:sSub>
+                    </m:oMath>
+                  </m:oMathPara>
+                </a14:m>
+                <a:endParaRPr lang="en-US" sz="3200" dirty="0"/>
+              </a:p>
+            </p:txBody>
+          </p:sp>
+        </mc:Choice>
+        <mc:Fallback xmlns="">
+          <p:sp>
+            <p:nvSpPr>
+              <p:cNvPr id="153" name="TextBox 152">
+                <a:extLst>
+                  <a:ext uri="{FF2B5EF4-FFF2-40B4-BE49-F238E27FC236}">
+                    <a16:creationId xmlns:a16="http://schemas.microsoft.com/office/drawing/2014/main" id="{C4C022E6-1097-594A-AA7F-203CFB58DE02}"/>
+                  </a:ext>
+                </a:extLst>
+              </p:cNvPr>
+              <p:cNvSpPr txBox="1">
+                <a:spLocks noRot="1" noChangeAspect="1" noMove="1" noResize="1" noEditPoints="1" noAdjustHandles="1" noChangeArrowheads="1" noChangeShapeType="1" noTextEdit="1"/>
+              </p:cNvSpPr>
+              <p:nvPr/>
+            </p:nvSpPr>
+            <p:spPr>
+              <a:xfrm>
+                <a:off x="2286282" y="2989461"/>
+                <a:ext cx="596061" cy="584775"/>
+              </a:xfrm>
+              <a:prstGeom prst="rect">
+                <a:avLst/>
+              </a:prstGeom>
+              <a:blipFill>
+                <a:blip r:embed="rId13"/>
+                <a:stretch>
+                  <a:fillRect l="-8511" b="-19149"/>
+                </a:stretch>
+              </a:blipFill>
+            </p:spPr>
+            <p:txBody>
+              <a:bodyPr/>
+              <a:lstStyle/>
+              <a:p>
+                <a:r>
+                  <a:rPr lang="en-US">
+                    <a:noFill/>
+                  </a:rPr>
+                  <a:t> </a:t>
+                </a:r>
+              </a:p>
+            </p:txBody>
+          </p:sp>
+        </mc:Fallback>
+      </mc:AlternateContent>
+      <mc:AlternateContent xmlns:mc="http://schemas.openxmlformats.org/markup-compatibility/2006" xmlns:a14="http://schemas.microsoft.com/office/drawing/2010/main">
+        <mc:Choice Requires="a14">
+          <p:sp>
+            <p:nvSpPr>
+              <p:cNvPr id="154" name="TextBox 153">
+                <a:extLst>
+                  <a:ext uri="{FF2B5EF4-FFF2-40B4-BE49-F238E27FC236}">
+                    <a16:creationId xmlns:a16="http://schemas.microsoft.com/office/drawing/2014/main" id="{7B690F6C-C06B-3E47-BD3B-12229536769C}"/>
+                  </a:ext>
+                </a:extLst>
+              </p:cNvPr>
+              <p:cNvSpPr txBox="1"/>
+              <p:nvPr/>
+            </p:nvSpPr>
+            <p:spPr>
+              <a:xfrm>
+                <a:off x="3404797" y="2950783"/>
+                <a:ext cx="564001" cy="584775"/>
+              </a:xfrm>
+              <a:prstGeom prst="rect">
+                <a:avLst/>
+              </a:prstGeom>
+              <a:noFill/>
+            </p:spPr>
+            <p:txBody>
+              <a:bodyPr wrap="square" rtlCol="0">
+                <a:spAutoFit/>
+              </a:bodyPr>
+              <a:lstStyle/>
+              <a:p>
+                <a:pPr/>
+                <a14:m>
+                  <m:oMathPara xmlns:m="http://schemas.openxmlformats.org/officeDocument/2006/math">
+                    <m:oMathParaPr>
+                      <m:jc m:val="centerGroup"/>
+                    </m:oMathParaPr>
+                    <m:oMath xmlns:m="http://schemas.openxmlformats.org/officeDocument/2006/math">
+                      <m:sSub>
+                        <m:sSubPr>
+                          <m:ctrlPr>
+                            <a:rPr lang="en-US" sz="3200" i="1" smtClean="0">
+                              <a:latin typeface="Cambria Math" panose="02040503050406030204" pitchFamily="18" charset="0"/>
+                            </a:rPr>
+                          </m:ctrlPr>
+                        </m:sSubPr>
+                        <m:e>
+                          <m:r>
+                            <a:rPr lang="en-US" sz="3200" b="0" i="1" smtClean="0">
+                              <a:latin typeface="Cambria Math" panose="02040503050406030204" pitchFamily="18" charset="0"/>
+                            </a:rPr>
+                            <m:t>𝑖</m:t>
+                          </m:r>
+                        </m:e>
+                        <m:sub>
+                          <m:r>
+                            <a:rPr lang="en-US" sz="3200" b="0" i="1" smtClean="0">
+                              <a:latin typeface="Cambria Math" panose="02040503050406030204" pitchFamily="18" charset="0"/>
+                            </a:rPr>
+                            <m:t>𝑡</m:t>
+                          </m:r>
+                        </m:sub>
+                      </m:sSub>
+                    </m:oMath>
+                  </m:oMathPara>
+                </a14:m>
+                <a:endParaRPr lang="en-US" sz="3200" dirty="0"/>
+              </a:p>
+            </p:txBody>
+          </p:sp>
+        </mc:Choice>
+        <mc:Fallback xmlns="">
+          <p:sp>
+            <p:nvSpPr>
+              <p:cNvPr id="154" name="TextBox 153">
+                <a:extLst>
+                  <a:ext uri="{FF2B5EF4-FFF2-40B4-BE49-F238E27FC236}">
+                    <a16:creationId xmlns:a16="http://schemas.microsoft.com/office/drawing/2014/main" id="{7B690F6C-C06B-3E47-BD3B-12229536769C}"/>
+                  </a:ext>
+                </a:extLst>
+              </p:cNvPr>
+              <p:cNvSpPr txBox="1">
+                <a:spLocks noRot="1" noChangeAspect="1" noMove="1" noResize="1" noEditPoints="1" noAdjustHandles="1" noChangeArrowheads="1" noChangeShapeType="1" noTextEdit="1"/>
+              </p:cNvSpPr>
+              <p:nvPr/>
+            </p:nvSpPr>
+            <p:spPr>
+              <a:xfrm>
+                <a:off x="3404797" y="2950783"/>
+                <a:ext cx="564001" cy="584775"/>
+              </a:xfrm>
+              <a:prstGeom prst="rect">
+                <a:avLst/>
+              </a:prstGeom>
+              <a:blipFill>
+                <a:blip r:embed="rId14"/>
+                <a:stretch>
+                  <a:fillRect b="-6383"/>
+                </a:stretch>
+              </a:blipFill>
+            </p:spPr>
+            <p:txBody>
+              <a:bodyPr/>
+              <a:lstStyle/>
+              <a:p>
+                <a:r>
+                  <a:rPr lang="en-US">
+                    <a:noFill/>
+                  </a:rPr>
+                  <a:t> </a:t>
+                </a:r>
+              </a:p>
+            </p:txBody>
+          </p:sp>
+        </mc:Fallback>
+      </mc:AlternateContent>
+      <mc:AlternateContent xmlns:mc="http://schemas.openxmlformats.org/markup-compatibility/2006" xmlns:a14="http://schemas.microsoft.com/office/drawing/2010/main">
+        <mc:Choice Requires="a14">
+          <p:sp>
+            <p:nvSpPr>
+              <p:cNvPr id="155" name="TextBox 154">
+                <a:extLst>
+                  <a:ext uri="{FF2B5EF4-FFF2-40B4-BE49-F238E27FC236}">
+                    <a16:creationId xmlns:a16="http://schemas.microsoft.com/office/drawing/2014/main" id="{BF29535F-C690-D04F-881C-37A1CD9EF925}"/>
+                  </a:ext>
+                </a:extLst>
+              </p:cNvPr>
+              <p:cNvSpPr txBox="1"/>
+              <p:nvPr/>
+            </p:nvSpPr>
+            <p:spPr>
+              <a:xfrm>
+                <a:off x="5952553" y="2950783"/>
+                <a:ext cx="639149" cy="584775"/>
+              </a:xfrm>
+              <a:prstGeom prst="rect">
+                <a:avLst/>
+              </a:prstGeom>
+              <a:noFill/>
+            </p:spPr>
+            <p:txBody>
+              <a:bodyPr wrap="square" rtlCol="0">
+                <a:spAutoFit/>
+              </a:bodyPr>
+              <a:lstStyle/>
+              <a:p>
+                <a:pPr/>
+                <a14:m>
+                  <m:oMathPara xmlns:m="http://schemas.openxmlformats.org/officeDocument/2006/math">
+                    <m:oMathParaPr>
+                      <m:jc m:val="centerGroup"/>
+                    </m:oMathParaPr>
+                    <m:oMath xmlns:m="http://schemas.openxmlformats.org/officeDocument/2006/math">
+                      <m:sSub>
+                        <m:sSubPr>
+                          <m:ctrlPr>
+                            <a:rPr lang="en-US" sz="3200" i="1" smtClean="0">
+                              <a:latin typeface="Cambria Math" panose="02040503050406030204" pitchFamily="18" charset="0"/>
+                            </a:rPr>
+                          </m:ctrlPr>
+                        </m:sSubPr>
+                        <m:e>
+                          <m:r>
+                            <a:rPr lang="en-US" sz="3200" b="0" i="1" smtClean="0">
+                              <a:latin typeface="Cambria Math" panose="02040503050406030204" pitchFamily="18" charset="0"/>
+                            </a:rPr>
+                            <m:t>𝑜</m:t>
+                          </m:r>
+                        </m:e>
+                        <m:sub>
+                          <m:r>
+                            <a:rPr lang="en-US" sz="3200" b="0" i="1" smtClean="0">
+                              <a:latin typeface="Cambria Math" panose="02040503050406030204" pitchFamily="18" charset="0"/>
+                            </a:rPr>
+                            <m:t>𝑡</m:t>
+                          </m:r>
+                        </m:sub>
+                      </m:sSub>
+                    </m:oMath>
+                  </m:oMathPara>
+                </a14:m>
+                <a:endParaRPr lang="en-US" sz="3200" dirty="0"/>
+              </a:p>
+            </p:txBody>
+          </p:sp>
+        </mc:Choice>
+        <mc:Fallback xmlns="">
+          <p:sp>
+            <p:nvSpPr>
+              <p:cNvPr id="155" name="TextBox 154">
+                <a:extLst>
+                  <a:ext uri="{FF2B5EF4-FFF2-40B4-BE49-F238E27FC236}">
+                    <a16:creationId xmlns:a16="http://schemas.microsoft.com/office/drawing/2014/main" id="{BF29535F-C690-D04F-881C-37A1CD9EF925}"/>
+                  </a:ext>
+                </a:extLst>
+              </p:cNvPr>
+              <p:cNvSpPr txBox="1">
+                <a:spLocks noRot="1" noChangeAspect="1" noMove="1" noResize="1" noEditPoints="1" noAdjustHandles="1" noChangeArrowheads="1" noChangeShapeType="1" noTextEdit="1"/>
+              </p:cNvSpPr>
+              <p:nvPr/>
+            </p:nvSpPr>
+            <p:spPr>
+              <a:xfrm>
+                <a:off x="5952553" y="2950783"/>
+                <a:ext cx="639149" cy="584775"/>
+              </a:xfrm>
+              <a:prstGeom prst="rect">
+                <a:avLst/>
+              </a:prstGeom>
+              <a:blipFill>
+                <a:blip r:embed="rId15"/>
+                <a:stretch>
+                  <a:fillRect b="-6383"/>
+                </a:stretch>
+              </a:blipFill>
+            </p:spPr>
+            <p:txBody>
+              <a:bodyPr/>
+              <a:lstStyle/>
+              <a:p>
+                <a:r>
+                  <a:rPr lang="en-US">
+                    <a:noFill/>
+                  </a:rPr>
+                  <a:t> </a:t>
+                </a:r>
+              </a:p>
+            </p:txBody>
+          </p:sp>
+        </mc:Fallback>
+      </mc:AlternateContent>
+      <mc:AlternateContent xmlns:mc="http://schemas.openxmlformats.org/markup-compatibility/2006" xmlns:a14="http://schemas.microsoft.com/office/drawing/2010/main">
+        <mc:Choice Requires="a14">
+          <p:sp>
+            <p:nvSpPr>
+              <p:cNvPr id="157" name="TextBox 156">
+                <a:extLst>
+                  <a:ext uri="{FF2B5EF4-FFF2-40B4-BE49-F238E27FC236}">
+                    <a16:creationId xmlns:a16="http://schemas.microsoft.com/office/drawing/2014/main" id="{66EEB94A-CB59-2746-A380-62BF32134477}"/>
+                  </a:ext>
+                </a:extLst>
+              </p:cNvPr>
+              <p:cNvSpPr txBox="1"/>
+              <p:nvPr/>
+            </p:nvSpPr>
+            <p:spPr>
+              <a:xfrm>
+                <a:off x="4442562" y="3570137"/>
+                <a:ext cx="613309" cy="584775"/>
+              </a:xfrm>
+              <a:prstGeom prst="rect">
+                <a:avLst/>
+              </a:prstGeom>
+              <a:noFill/>
+            </p:spPr>
+            <p:txBody>
+              <a:bodyPr wrap="square" rtlCol="0">
+                <a:spAutoFit/>
+              </a:bodyPr>
+              <a:lstStyle/>
+              <a:p>
+                <a:pPr/>
+                <a14:m>
+                  <m:oMathPara xmlns:m="http://schemas.openxmlformats.org/officeDocument/2006/math">
+                    <m:oMathParaPr>
+                      <m:jc m:val="centerGroup"/>
+                    </m:oMathParaPr>
+                    <m:oMath xmlns:m="http://schemas.openxmlformats.org/officeDocument/2006/math">
+                      <m:sSub>
+                        <m:sSubPr>
+                          <m:ctrlPr>
+                            <a:rPr lang="en-US" sz="3200" i="1" smtClean="0">
+                              <a:latin typeface="Cambria Math" panose="02040503050406030204" pitchFamily="18" charset="0"/>
+                            </a:rPr>
+                          </m:ctrlPr>
+                        </m:sSubPr>
+                        <m:e>
+                          <m:acc>
+                            <m:accPr>
+                              <m:chr m:val="̃"/>
+                              <m:ctrlPr>
+                                <a:rPr lang="en-US" sz="3200" i="1" smtClean="0">
+                                  <a:latin typeface="Cambria Math" panose="02040503050406030204" pitchFamily="18" charset="0"/>
+                                </a:rPr>
+                              </m:ctrlPr>
+                            </m:accPr>
+                            <m:e>
+                              <m:r>
+                                <a:rPr lang="en-US" sz="3200" b="0" i="1" smtClean="0">
+                                  <a:latin typeface="Cambria Math" panose="02040503050406030204" pitchFamily="18" charset="0"/>
+                                </a:rPr>
+                                <m:t>𝑐</m:t>
+                              </m:r>
+                            </m:e>
+                          </m:acc>
+                        </m:e>
+                        <m:sub>
+                          <m:r>
+                            <a:rPr lang="en-US" sz="3200" b="0" i="1" smtClean="0">
+                              <a:latin typeface="Cambria Math" panose="02040503050406030204" pitchFamily="18" charset="0"/>
+                            </a:rPr>
+                            <m:t>𝑡</m:t>
+                          </m:r>
+                        </m:sub>
+                      </m:sSub>
+                    </m:oMath>
+                  </m:oMathPara>
+                </a14:m>
+                <a:endParaRPr lang="en-US" sz="3200" dirty="0"/>
+              </a:p>
+            </p:txBody>
+          </p:sp>
+        </mc:Choice>
+        <mc:Fallback xmlns="">
+          <p:sp>
+            <p:nvSpPr>
+              <p:cNvPr id="157" name="TextBox 156">
+                <a:extLst>
+                  <a:ext uri="{FF2B5EF4-FFF2-40B4-BE49-F238E27FC236}">
+                    <a16:creationId xmlns:a16="http://schemas.microsoft.com/office/drawing/2014/main" id="{66EEB94A-CB59-2746-A380-62BF32134477}"/>
+                  </a:ext>
+                </a:extLst>
+              </p:cNvPr>
+              <p:cNvSpPr txBox="1">
+                <a:spLocks noRot="1" noChangeAspect="1" noMove="1" noResize="1" noEditPoints="1" noAdjustHandles="1" noChangeArrowheads="1" noChangeShapeType="1" noTextEdit="1"/>
+              </p:cNvSpPr>
+              <p:nvPr/>
+            </p:nvSpPr>
+            <p:spPr>
+              <a:xfrm>
+                <a:off x="4442562" y="3570137"/>
+                <a:ext cx="613309" cy="584775"/>
+              </a:xfrm>
+              <a:prstGeom prst="rect">
+                <a:avLst/>
+              </a:prstGeom>
+              <a:blipFill>
+                <a:blip r:embed="rId16"/>
+                <a:stretch>
+                  <a:fillRect b="-4255"/>
+                </a:stretch>
+              </a:blipFill>
+            </p:spPr>
+            <p:txBody>
+              <a:bodyPr/>
+              <a:lstStyle/>
+              <a:p>
+                <a:r>
+                  <a:rPr lang="en-US">
+                    <a:noFill/>
+                  </a:rPr>
+                  <a:t> </a:t>
+                </a:r>
+              </a:p>
+            </p:txBody>
+          </p:sp>
+        </mc:Fallback>
+      </mc:AlternateContent>
+    </p:spTree>
+    <p:extLst>
+      <p:ext uri="{BB962C8B-B14F-4D97-AF65-F5344CB8AC3E}">
+        <p14:creationId xmlns:p14="http://schemas.microsoft.com/office/powerpoint/2010/main" val="135138002"/>
+      </p:ext>
+    </p:extLst>
+  </p:cSld>
+  <p:clrMapOvr>
+    <a:masterClrMapping/>
+  </p:clrMapOvr>
+</p:sld>
+</file>
+
 <file path=ppt/theme/theme1.xml><?xml version="1.0" encoding="utf-8"?>
 <a:theme xmlns:a="http://schemas.openxmlformats.org/drawingml/2006/main" name="Office Theme">
   <a:themeElements>
